--- a/GraduateSlide.pptx
+++ b/GraduateSlide.pptx
@@ -6,13 +6,16 @@
   </p:sldMasterIdLst>
   <p:sldIdLst>
     <p:sldId id="256" r:id="rId2"/>
-    <p:sldId id="257" r:id="rId3"/>
-    <p:sldId id="261" r:id="rId4"/>
+    <p:sldId id="261" r:id="rId3"/>
+    <p:sldId id="265" r:id="rId4"/>
     <p:sldId id="262" r:id="rId5"/>
     <p:sldId id="263" r:id="rId6"/>
-    <p:sldId id="258" r:id="rId7"/>
-    <p:sldId id="259" r:id="rId8"/>
-    <p:sldId id="260" r:id="rId9"/>
+    <p:sldId id="259" r:id="rId7"/>
+    <p:sldId id="266" r:id="rId8"/>
+    <p:sldId id="267" r:id="rId9"/>
+    <p:sldId id="268" r:id="rId10"/>
+    <p:sldId id="260" r:id="rId11"/>
+    <p:sldId id="264" r:id="rId12"/>
   </p:sldIdLst>
   <p:sldSz cx="9144000" cy="6858000" type="screen4x3"/>
   <p:notesSz cx="6858000" cy="9144000"/>
@@ -258,7 +261,7 @@
             <a:fld id="{3E09EC11-27C0-8842-AC1B-2EBBF3D86C37}" type="datetimeFigureOut">
               <a:rPr lang="ja-JP" altLang="en-US" smtClean="0"/>
               <a:pPr/>
-              <a:t>2019/2/12</a:t>
+              <a:t>2019/2/13</a:t>
             </a:fld>
             <a:endParaRPr lang="ja-JP" altLang="en-US"/>
           </a:p>
@@ -454,7 +457,7 @@
             <a:fld id="{3E09EC11-27C0-8842-AC1B-2EBBF3D86C37}" type="datetimeFigureOut">
               <a:rPr lang="ja-JP" altLang="en-US" smtClean="0"/>
               <a:pPr/>
-              <a:t>2019/2/12</a:t>
+              <a:t>2019/2/13</a:t>
             </a:fld>
             <a:endParaRPr lang="ja-JP" altLang="en-US"/>
           </a:p>
@@ -660,7 +663,7 @@
             <a:fld id="{3E09EC11-27C0-8842-AC1B-2EBBF3D86C37}" type="datetimeFigureOut">
               <a:rPr lang="ja-JP" altLang="en-US" smtClean="0"/>
               <a:pPr/>
-              <a:t>2019/2/12</a:t>
+              <a:t>2019/2/13</a:t>
             </a:fld>
             <a:endParaRPr lang="ja-JP" altLang="en-US"/>
           </a:p>
@@ -859,7 +862,7 @@
             <a:fld id="{3E09EC11-27C0-8842-AC1B-2EBBF3D86C37}" type="datetimeFigureOut">
               <a:rPr lang="ja-JP" altLang="en-US" smtClean="0"/>
               <a:pPr/>
-              <a:t>2019/2/12</a:t>
+              <a:t>2019/2/13</a:t>
             </a:fld>
             <a:endParaRPr lang="ja-JP" altLang="en-US"/>
           </a:p>
@@ -1156,7 +1159,7 @@
             <a:fld id="{3E09EC11-27C0-8842-AC1B-2EBBF3D86C37}" type="datetimeFigureOut">
               <a:rPr lang="ja-JP" altLang="en-US" smtClean="0"/>
               <a:pPr/>
-              <a:t>2019/2/12</a:t>
+              <a:t>2019/2/13</a:t>
             </a:fld>
             <a:endParaRPr lang="ja-JP" altLang="en-US"/>
           </a:p>
@@ -1426,7 +1429,7 @@
             <a:fld id="{3E09EC11-27C0-8842-AC1B-2EBBF3D86C37}" type="datetimeFigureOut">
               <a:rPr lang="ja-JP" altLang="en-US" smtClean="0"/>
               <a:pPr/>
-              <a:t>2019/2/12</a:t>
+              <a:t>2019/2/13</a:t>
             </a:fld>
             <a:endParaRPr lang="ja-JP" altLang="en-US"/>
           </a:p>
@@ -1914,7 +1917,7 @@
             <a:fld id="{3E09EC11-27C0-8842-AC1B-2EBBF3D86C37}" type="datetimeFigureOut">
               <a:rPr lang="ja-JP" altLang="en-US" smtClean="0"/>
               <a:pPr/>
-              <a:t>2019/2/12</a:t>
+              <a:t>2019/2/13</a:t>
             </a:fld>
             <a:endParaRPr lang="ja-JP" altLang="en-US"/>
           </a:p>
@@ -2046,7 +2049,7 @@
             <a:fld id="{3E09EC11-27C0-8842-AC1B-2EBBF3D86C37}" type="datetimeFigureOut">
               <a:rPr lang="ja-JP" altLang="en-US" smtClean="0"/>
               <a:pPr/>
-              <a:t>2019/2/12</a:t>
+              <a:t>2019/2/13</a:t>
             </a:fld>
             <a:endParaRPr lang="ja-JP" altLang="en-US"/>
           </a:p>
@@ -2155,7 +2158,7 @@
             <a:fld id="{3E09EC11-27C0-8842-AC1B-2EBBF3D86C37}" type="datetimeFigureOut">
               <a:rPr lang="ja-JP" altLang="en-US" smtClean="0"/>
               <a:pPr/>
-              <a:t>2019/2/12</a:t>
+              <a:t>2019/2/13</a:t>
             </a:fld>
             <a:endParaRPr lang="ja-JP" altLang="en-US"/>
           </a:p>
@@ -2494,7 +2497,7 @@
             <a:fld id="{3E09EC11-27C0-8842-AC1B-2EBBF3D86C37}" type="datetimeFigureOut">
               <a:rPr lang="ja-JP" altLang="en-US" smtClean="0"/>
               <a:pPr/>
-              <a:t>2019/2/12</a:t>
+              <a:t>2019/2/13</a:t>
             </a:fld>
             <a:endParaRPr lang="ja-JP" altLang="en-US"/>
           </a:p>
@@ -2805,7 +2808,7 @@
             <a:fld id="{3E09EC11-27C0-8842-AC1B-2EBBF3D86C37}" type="datetimeFigureOut">
               <a:rPr lang="ja-JP" altLang="en-US" smtClean="0"/>
               <a:pPr/>
-              <a:t>2019/2/12</a:t>
+              <a:t>2019/2/13</a:t>
             </a:fld>
             <a:endParaRPr lang="ja-JP" altLang="en-US"/>
           </a:p>
@@ -3037,7 +3040,7 @@
             <a:fld id="{3E09EC11-27C0-8842-AC1B-2EBBF3D86C37}" type="datetimeFigureOut">
               <a:rPr lang="ja-JP" altLang="en-US" smtClean="0"/>
               <a:pPr/>
-              <a:t>2019/2/12</a:t>
+              <a:t>2019/2/13</a:t>
             </a:fld>
             <a:endParaRPr lang="ja-JP" altLang="en-US"/>
           </a:p>
@@ -3560,6 +3563,238 @@
 </p:sld>
 </file>
 
+<file path=ppt/slides/slide10.xml><?xml version="1.0" encoding="utf-8"?>
+<p:sld xmlns:a="http://schemas.openxmlformats.org/drawingml/2006/main" xmlns:r="http://schemas.openxmlformats.org/officeDocument/2006/relationships" xmlns:p="http://schemas.openxmlformats.org/presentationml/2006/main">
+  <p:cSld>
+    <p:spTree>
+      <p:nvGrpSpPr>
+        <p:cNvPr id="1" name=""/>
+        <p:cNvGrpSpPr/>
+        <p:nvPr/>
+      </p:nvGrpSpPr>
+      <p:grpSpPr>
+        <a:xfrm>
+          <a:off x="0" y="0"/>
+          <a:ext cx="0" cy="0"/>
+          <a:chOff x="0" y="0"/>
+          <a:chExt cx="0" cy="0"/>
+        </a:xfrm>
+      </p:grpSpPr>
+      <p:sp>
+        <p:nvSpPr>
+          <p:cNvPr id="2" name="タイトル 1">
+            <a:extLst>
+              <a:ext uri="{FF2B5EF4-FFF2-40B4-BE49-F238E27FC236}">
+                <a16:creationId xmlns:a16="http://schemas.microsoft.com/office/drawing/2014/main" id="{32DC9A5E-B4F2-A54F-96EA-A5DDD2DD15AC}"/>
+              </a:ext>
+            </a:extLst>
+          </p:cNvPr>
+          <p:cNvSpPr>
+            <a:spLocks noGrp="1"/>
+          </p:cNvSpPr>
+          <p:nvPr>
+            <p:ph type="title"/>
+          </p:nvPr>
+        </p:nvSpPr>
+        <p:spPr/>
+        <p:txBody>
+          <a:bodyPr/>
+          <a:lstStyle/>
+          <a:p>
+            <a:r>
+              <a:rPr kumimoji="1" lang="ja-JP" altLang="en-US"/>
+              <a:t>時間制約（性能モデル検査）</a:t>
+            </a:r>
+          </a:p>
+        </p:txBody>
+      </p:sp>
+      <p:sp>
+        <p:nvSpPr>
+          <p:cNvPr id="3" name="コンテンツ プレースホルダー 2">
+            <a:extLst>
+              <a:ext uri="{FF2B5EF4-FFF2-40B4-BE49-F238E27FC236}">
+                <a16:creationId xmlns:a16="http://schemas.microsoft.com/office/drawing/2014/main" id="{41ACCB7A-F3C2-F34D-BFCF-541550AC2C29}"/>
+              </a:ext>
+            </a:extLst>
+          </p:cNvPr>
+          <p:cNvSpPr>
+            <a:spLocks noGrp="1"/>
+          </p:cNvSpPr>
+          <p:nvPr>
+            <p:ph idx="1"/>
+          </p:nvPr>
+        </p:nvSpPr>
+        <p:spPr/>
+        <p:txBody>
+          <a:bodyPr/>
+          <a:lstStyle/>
+          <a:p>
+            <a:endParaRPr kumimoji="1" lang="ja-JP" altLang="en-US"/>
+          </a:p>
+        </p:txBody>
+      </p:sp>
+    </p:spTree>
+    <p:extLst>
+      <p:ext uri="{BB962C8B-B14F-4D97-AF65-F5344CB8AC3E}">
+        <p14:creationId xmlns:p14="http://schemas.microsoft.com/office/powerpoint/2010/main" val="823686223"/>
+      </p:ext>
+    </p:extLst>
+  </p:cSld>
+  <p:clrMapOvr>
+    <a:masterClrMapping/>
+  </p:clrMapOvr>
+</p:sld>
+</file>
+
+<file path=ppt/slides/slide11.xml><?xml version="1.0" encoding="utf-8"?>
+<p:sld xmlns:a="http://schemas.openxmlformats.org/drawingml/2006/main" xmlns:r="http://schemas.openxmlformats.org/officeDocument/2006/relationships" xmlns:p="http://schemas.openxmlformats.org/presentationml/2006/main">
+  <p:cSld>
+    <p:spTree>
+      <p:nvGrpSpPr>
+        <p:cNvPr id="1" name=""/>
+        <p:cNvGrpSpPr/>
+        <p:nvPr/>
+      </p:nvGrpSpPr>
+      <p:grpSpPr>
+        <a:xfrm>
+          <a:off x="0" y="0"/>
+          <a:ext cx="0" cy="0"/>
+          <a:chOff x="0" y="0"/>
+          <a:chExt cx="0" cy="0"/>
+        </a:xfrm>
+      </p:grpSpPr>
+      <p:sp>
+        <p:nvSpPr>
+          <p:cNvPr id="2" name="タイトル 1">
+            <a:extLst>
+              <a:ext uri="{FF2B5EF4-FFF2-40B4-BE49-F238E27FC236}">
+                <a16:creationId xmlns:a16="http://schemas.microsoft.com/office/drawing/2014/main" id="{3357D3DA-72BE-904C-AE6B-81286B55E536}"/>
+              </a:ext>
+            </a:extLst>
+          </p:cNvPr>
+          <p:cNvSpPr>
+            <a:spLocks noGrp="1"/>
+          </p:cNvSpPr>
+          <p:nvPr>
+            <p:ph type="title"/>
+          </p:nvPr>
+        </p:nvSpPr>
+        <p:spPr/>
+        <p:txBody>
+          <a:bodyPr/>
+          <a:lstStyle/>
+          <a:p>
+            <a:r>
+              <a:rPr kumimoji="1" lang="ja-JP" altLang="en-US"/>
+              <a:t>まとめと今後の課題</a:t>
+            </a:r>
+          </a:p>
+        </p:txBody>
+      </p:sp>
+      <p:sp>
+        <p:nvSpPr>
+          <p:cNvPr id="3" name="コンテンツ プレースホルダー 2">
+            <a:extLst>
+              <a:ext uri="{FF2B5EF4-FFF2-40B4-BE49-F238E27FC236}">
+                <a16:creationId xmlns:a16="http://schemas.microsoft.com/office/drawing/2014/main" id="{DF9D7E35-D2D7-7648-933E-AF46D456F954}"/>
+              </a:ext>
+            </a:extLst>
+          </p:cNvPr>
+          <p:cNvSpPr>
+            <a:spLocks noGrp="1"/>
+          </p:cNvSpPr>
+          <p:nvPr>
+            <p:ph idx="1"/>
+          </p:nvPr>
+        </p:nvSpPr>
+        <p:spPr/>
+        <p:txBody>
+          <a:bodyPr/>
+          <a:lstStyle/>
+          <a:p>
+            <a:r>
+              <a:rPr kumimoji="1" lang="ja-JP" altLang="en-US"/>
+              <a:t>背景目的に対してどこまでできた？</a:t>
+            </a:r>
+            <a:endParaRPr kumimoji="1" lang="en-US" altLang="ja-JP" dirty="0"/>
+          </a:p>
+          <a:p>
+            <a:pPr marL="0" indent="0">
+              <a:buNone/>
+            </a:pPr>
+            <a:r>
+              <a:rPr lang="ja-JP" altLang="en-US"/>
+              <a:t>⇨自分のやったことの位置付け</a:t>
+            </a:r>
+            <a:endParaRPr lang="en-US" altLang="ja-JP" dirty="0"/>
+          </a:p>
+          <a:p>
+            <a:pPr marL="0" indent="0">
+              <a:buNone/>
+            </a:pPr>
+            <a:r>
+              <a:rPr kumimoji="1" lang="ja-JP" altLang="en-US"/>
+              <a:t>この鍵の仕組みがデッドロックしないこと</a:t>
+            </a:r>
+            <a:endParaRPr kumimoji="1" lang="en-US" altLang="ja-JP" dirty="0"/>
+          </a:p>
+          <a:p>
+            <a:pPr marL="0" indent="0">
+              <a:buNone/>
+            </a:pPr>
+            <a:endParaRPr lang="en-US" altLang="ja-JP" dirty="0"/>
+          </a:p>
+          <a:p>
+            <a:pPr marL="0" indent="0">
+              <a:buNone/>
+            </a:pPr>
+            <a:r>
+              <a:rPr kumimoji="1" lang="ja-JP" altLang="en-US"/>
+              <a:t>複数の交差点の組み合わせ</a:t>
+            </a:r>
+            <a:endParaRPr kumimoji="1" lang="en-US" altLang="ja-JP" dirty="0"/>
+          </a:p>
+          <a:p>
+            <a:pPr marL="0" indent="0">
+              <a:buNone/>
+            </a:pPr>
+            <a:endParaRPr lang="en-US" altLang="ja-JP" dirty="0"/>
+          </a:p>
+          <a:p>
+            <a:pPr marL="0" indent="0">
+              <a:buNone/>
+            </a:pPr>
+            <a:r>
+              <a:rPr kumimoji="1" lang="ja-JP" altLang="en-US"/>
+              <a:t>左折右折時の時間の計測</a:t>
+            </a:r>
+            <a:endParaRPr kumimoji="1" lang="en-US" altLang="ja-JP" dirty="0"/>
+          </a:p>
+          <a:p>
+            <a:pPr marL="0" indent="0">
+              <a:buNone/>
+            </a:pPr>
+            <a:r>
+              <a:rPr lang="ja-JP" altLang="en-US"/>
+              <a:t>交差点のモデル化はできたよ</a:t>
+            </a:r>
+            <a:endParaRPr kumimoji="1" lang="ja-JP" altLang="en-US"/>
+          </a:p>
+        </p:txBody>
+      </p:sp>
+    </p:spTree>
+    <p:extLst>
+      <p:ext uri="{BB962C8B-B14F-4D97-AF65-F5344CB8AC3E}">
+        <p14:creationId xmlns:p14="http://schemas.microsoft.com/office/powerpoint/2010/main" val="2610993288"/>
+      </p:ext>
+    </p:extLst>
+  </p:cSld>
+  <p:clrMapOvr>
+    <a:masterClrMapping/>
+  </p:clrMapOvr>
+</p:sld>
+</file>
+
 <file path=ppt/slides/slide2.xml><?xml version="1.0" encoding="utf-8"?>
 <p:sld xmlns:a="http://schemas.openxmlformats.org/drawingml/2006/main" xmlns:r="http://schemas.openxmlformats.org/officeDocument/2006/relationships" xmlns:p="http://schemas.openxmlformats.org/presentationml/2006/main">
   <p:cSld>
@@ -3582,7 +3817,7 @@
           <p:cNvPr id="2" name="タイトル 1">
             <a:extLst>
               <a:ext uri="{FF2B5EF4-FFF2-40B4-BE49-F238E27FC236}">
-                <a16:creationId xmlns:a16="http://schemas.microsoft.com/office/drawing/2014/main" id="{35C605F3-9AD1-A54E-9DF5-A7B33E6ABA0A}"/>
+                <a16:creationId xmlns:a16="http://schemas.microsoft.com/office/drawing/2014/main" id="{05ACDFA7-2884-3847-8CF6-34BD9BE06BF3}"/>
               </a:ext>
             </a:extLst>
           </p:cNvPr>
@@ -3599,9 +3834,10 @@
           <a:lstStyle/>
           <a:p>
             <a:r>
-              <a:rPr kumimoji="1" lang="ja-JP" altLang="en-US"/>
-              <a:t>概要</a:t>
-            </a:r>
+              <a:rPr lang="ja-JP" altLang="en-US"/>
+              <a:t>研究背景</a:t>
+            </a:r>
+            <a:endParaRPr kumimoji="1" lang="ja-JP" altLang="en-US"/>
           </a:p>
         </p:txBody>
       </p:sp>
@@ -3610,7 +3846,7 @@
           <p:cNvPr id="3" name="コンテンツ プレースホルダー 2">
             <a:extLst>
               <a:ext uri="{FF2B5EF4-FFF2-40B4-BE49-F238E27FC236}">
-                <a16:creationId xmlns:a16="http://schemas.microsoft.com/office/drawing/2014/main" id="{49B5CC5C-9333-7F43-94FA-A5BB21D3938E}"/>
+                <a16:creationId xmlns:a16="http://schemas.microsoft.com/office/drawing/2014/main" id="{E58FAD65-8227-CC40-9726-8B174208BCB2}"/>
               </a:ext>
             </a:extLst>
           </p:cNvPr>
@@ -3626,60 +3862,63 @@
           <a:bodyPr/>
           <a:lstStyle/>
           <a:p>
+            <a:pPr marL="0" indent="0">
+              <a:buNone/>
+            </a:pPr>
             <a:r>
               <a:rPr kumimoji="1" lang="ja-JP" altLang="en-US"/>
-              <a:t>研究背景</a:t>
-            </a:r>
-            <a:r>
-              <a:rPr lang="ja-JP" altLang="en-US"/>
-              <a:t>と目的</a:t>
-            </a:r>
+              <a:t>自動運転技術</a:t>
+            </a:r>
+            <a:r>
+              <a:rPr kumimoji="1" lang="en-US" altLang="ja-JP" dirty="0"/>
+              <a:t>	</a:t>
+            </a:r>
+            <a:r>
+              <a:rPr kumimoji="1" lang="ja-JP" altLang="en-US"/>
+              <a:t>⇨</a:t>
+            </a:r>
+            <a:r>
+              <a:rPr kumimoji="1" lang="en-US" altLang="ja-JP" dirty="0"/>
+              <a:t>	</a:t>
+            </a:r>
+            <a:r>
+              <a:rPr kumimoji="1" lang="ja-JP" altLang="en-US"/>
+              <a:t>車一台が周囲物に対して</a:t>
+            </a:r>
+            <a:endParaRPr kumimoji="1" lang="en-US" altLang="ja-JP" dirty="0"/>
+          </a:p>
+          <a:p>
+            <a:pPr marL="0" indent="0">
+              <a:buNone/>
+            </a:pPr>
             <a:endParaRPr lang="en-US" altLang="ja-JP" dirty="0"/>
           </a:p>
           <a:p>
+            <a:pPr marL="0" indent="0">
+              <a:buNone/>
+            </a:pPr>
             <a:r>
               <a:rPr kumimoji="1" lang="ja-JP" altLang="en-US"/>
-              <a:t>モデル検査</a:t>
+              <a:t>自動運転車のみで構成された都市空間でそれだけで本当に安全？</a:t>
             </a:r>
             <a:endParaRPr kumimoji="1" lang="en-US" altLang="ja-JP" dirty="0"/>
           </a:p>
           <a:p>
-            <a:r>
-              <a:rPr lang="ja-JP" altLang="en-US"/>
-              <a:t>モデル検査ツール</a:t>
-            </a:r>
-            <a:r>
-              <a:rPr lang="en-US" altLang="ja-JP" dirty="0"/>
-              <a:t>UPPAAL</a:t>
-            </a:r>
-          </a:p>
-          <a:p>
-            <a:r>
-              <a:rPr lang="ja-JP" altLang="en-US"/>
-              <a:t>進行方向を固定しない交差点</a:t>
-            </a:r>
-            <a:endParaRPr lang="en-US" altLang="ja-JP" dirty="0"/>
-          </a:p>
-          <a:p>
-            <a:r>
-              <a:rPr lang="ja-JP" altLang="en-US"/>
-              <a:t>進行方向を固定した交差点</a:t>
-            </a:r>
-            <a:endParaRPr lang="en-US" altLang="ja-JP" dirty="0"/>
-          </a:p>
-          <a:p>
-            <a:r>
-              <a:rPr lang="ja-JP" altLang="en-US"/>
-              <a:t>時間制約の検証</a:t>
-            </a:r>
-            <a:endParaRPr lang="en-US" altLang="ja-JP" dirty="0"/>
+            <a:pPr marL="0" indent="0">
+              <a:buNone/>
+            </a:pPr>
+            <a:r>
+              <a:rPr lang="ja-JP" altLang="en-US"/>
+              <a:t>車全体に対する群制御アルゴリズムが必要なのでは？</a:t>
+            </a:r>
+            <a:endParaRPr kumimoji="1" lang="ja-JP" altLang="en-US"/>
           </a:p>
         </p:txBody>
       </p:sp>
     </p:spTree>
     <p:extLst>
       <p:ext uri="{BB962C8B-B14F-4D97-AF65-F5344CB8AC3E}">
-        <p14:creationId xmlns:p14="http://schemas.microsoft.com/office/powerpoint/2010/main" val="831263175"/>
+        <p14:creationId xmlns:p14="http://schemas.microsoft.com/office/powerpoint/2010/main" val="1536334951"/>
       </p:ext>
     </p:extLst>
   </p:cSld>
@@ -3711,7 +3950,7 @@
           <p:cNvPr id="2" name="タイトル 1">
             <a:extLst>
               <a:ext uri="{FF2B5EF4-FFF2-40B4-BE49-F238E27FC236}">
-                <a16:creationId xmlns:a16="http://schemas.microsoft.com/office/drawing/2014/main" id="{05ACDFA7-2884-3847-8CF6-34BD9BE06BF3}"/>
+                <a16:creationId xmlns:a16="http://schemas.microsoft.com/office/drawing/2014/main" id="{FFBB8379-A784-5946-99FF-5A6B1D9ED651}"/>
               </a:ext>
             </a:extLst>
           </p:cNvPr>
@@ -3728,10 +3967,9 @@
           <a:lstStyle/>
           <a:p>
             <a:r>
-              <a:rPr lang="ja-JP" altLang="en-US"/>
-              <a:t>研究背景と目的</a:t>
-            </a:r>
-            <a:endParaRPr kumimoji="1" lang="ja-JP" altLang="en-US"/>
+              <a:rPr kumimoji="1" lang="ja-JP" altLang="en-US"/>
+              <a:t>目的</a:t>
+            </a:r>
           </a:p>
         </p:txBody>
       </p:sp>
@@ -3740,7 +3978,7 @@
           <p:cNvPr id="3" name="コンテンツ プレースホルダー 2">
             <a:extLst>
               <a:ext uri="{FF2B5EF4-FFF2-40B4-BE49-F238E27FC236}">
-                <a16:creationId xmlns:a16="http://schemas.microsoft.com/office/drawing/2014/main" id="{E58FAD65-8227-CC40-9726-8B174208BCB2}"/>
+                <a16:creationId xmlns:a16="http://schemas.microsoft.com/office/drawing/2014/main" id="{BA9FF540-4584-1B42-A746-24611B82BD82}"/>
               </a:ext>
             </a:extLst>
           </p:cNvPr>
@@ -3760,10 +3998,40 @@
           </a:p>
         </p:txBody>
       </p:sp>
+      <p:pic>
+        <p:nvPicPr>
+          <p:cNvPr id="4" name="コンテンツ プレースホルダー 4">
+            <a:extLst>
+              <a:ext uri="{FF2B5EF4-FFF2-40B4-BE49-F238E27FC236}">
+                <a16:creationId xmlns:a16="http://schemas.microsoft.com/office/drawing/2014/main" id="{5782C3FD-48E2-1C41-A541-707C1F483889}"/>
+              </a:ext>
+            </a:extLst>
+          </p:cNvPr>
+          <p:cNvPicPr>
+            <a:picLocks noChangeAspect="1"/>
+          </p:cNvPicPr>
+          <p:nvPr/>
+        </p:nvPicPr>
+        <p:blipFill>
+          <a:blip r:embed="rId2"/>
+          <a:stretch>
+            <a:fillRect/>
+          </a:stretch>
+        </p:blipFill>
+        <p:spPr>
+          <a:xfrm>
+            <a:off x="526174" y="1430557"/>
+            <a:ext cx="6545305" cy="3259683"/>
+          </a:xfrm>
+          <a:prstGeom prst="rect">
+            <a:avLst/>
+          </a:prstGeom>
+        </p:spPr>
+      </p:pic>
     </p:spTree>
     <p:extLst>
       <p:ext uri="{BB962C8B-B14F-4D97-AF65-F5344CB8AC3E}">
-        <p14:creationId xmlns:p14="http://schemas.microsoft.com/office/powerpoint/2010/main" val="1536334951"/>
+        <p14:creationId xmlns:p14="http://schemas.microsoft.com/office/powerpoint/2010/main" val="3501965787"/>
       </p:ext>
     </p:extLst>
   </p:cSld>
@@ -3818,31 +4086,35 @@
           </a:p>
         </p:txBody>
       </p:sp>
-      <p:sp>
-        <p:nvSpPr>
-          <p:cNvPr id="3" name="コンテンツ プレースホルダー 2">
+      <p:pic>
+        <p:nvPicPr>
+          <p:cNvPr id="8" name="コンテンツ プレースホルダー 7">
             <a:extLst>
               <a:ext uri="{FF2B5EF4-FFF2-40B4-BE49-F238E27FC236}">
-                <a16:creationId xmlns:a16="http://schemas.microsoft.com/office/drawing/2014/main" id="{E84DB378-C79B-BE40-89C8-4FA5DAC43DC0}"/>
+                <a16:creationId xmlns:a16="http://schemas.microsoft.com/office/drawing/2014/main" id="{8ED468DF-E5BB-9047-BDB0-991853A97D0E}"/>
               </a:ext>
             </a:extLst>
           </p:cNvPr>
-          <p:cNvSpPr>
-            <a:spLocks noGrp="1"/>
-          </p:cNvSpPr>
+          <p:cNvPicPr>
+            <a:picLocks noGrp="1" noChangeAspect="1"/>
+          </p:cNvPicPr>
           <p:nvPr>
             <p:ph idx="1"/>
           </p:nvPr>
-        </p:nvSpPr>
-        <p:spPr/>
-        <p:txBody>
-          <a:bodyPr/>
-          <a:lstStyle/>
-          <a:p>
-            <a:endParaRPr kumimoji="1" lang="ja-JP" altLang="en-US"/>
-          </a:p>
-        </p:txBody>
-      </p:sp>
+        </p:nvPicPr>
+        <p:blipFill>
+          <a:blip r:embed="rId2"/>
+          <a:stretch>
+            <a:fillRect/>
+          </a:stretch>
+        </p:blipFill>
+        <p:spPr>
+          <a:xfrm>
+            <a:off x="921297" y="1882000"/>
+            <a:ext cx="7474826" cy="2984117"/>
+          </a:xfrm>
+        </p:spPr>
+      </p:pic>
     </p:spTree>
     <p:extLst>
       <p:ext uri="{BB962C8B-B14F-4D97-AF65-F5344CB8AC3E}">
@@ -3906,31 +4178,35 @@
           </a:p>
         </p:txBody>
       </p:sp>
-      <p:sp>
-        <p:nvSpPr>
-          <p:cNvPr id="3" name="コンテンツ プレースホルダー 2">
+      <p:pic>
+        <p:nvPicPr>
+          <p:cNvPr id="6" name="コンテンツ プレースホルダー 5">
             <a:extLst>
               <a:ext uri="{FF2B5EF4-FFF2-40B4-BE49-F238E27FC236}">
-                <a16:creationId xmlns:a16="http://schemas.microsoft.com/office/drawing/2014/main" id="{AEB49345-E6C3-BC42-B7F6-B929EBA513AA}"/>
+                <a16:creationId xmlns:a16="http://schemas.microsoft.com/office/drawing/2014/main" id="{17B0658B-C747-0949-9B03-A5253358F775}"/>
               </a:ext>
             </a:extLst>
           </p:cNvPr>
-          <p:cNvSpPr>
-            <a:spLocks noGrp="1"/>
-          </p:cNvSpPr>
+          <p:cNvPicPr>
+            <a:picLocks noGrp="1" noChangeAspect="1"/>
+          </p:cNvPicPr>
           <p:nvPr>
             <p:ph idx="1"/>
           </p:nvPr>
-        </p:nvSpPr>
-        <p:spPr/>
-        <p:txBody>
-          <a:bodyPr/>
-          <a:lstStyle/>
-          <a:p>
-            <a:endParaRPr kumimoji="1" lang="ja-JP" altLang="en-US"/>
-          </a:p>
-        </p:txBody>
-      </p:sp>
+        </p:nvPicPr>
+        <p:blipFill>
+          <a:blip r:embed="rId2"/>
+          <a:stretch>
+            <a:fillRect/>
+          </a:stretch>
+        </p:blipFill>
+        <p:spPr>
+          <a:xfrm>
+            <a:off x="0" y="1690689"/>
+            <a:ext cx="5799670" cy="4683343"/>
+          </a:xfrm>
+        </p:spPr>
+      </p:pic>
     </p:spTree>
     <p:extLst>
       <p:ext uri="{BB962C8B-B14F-4D97-AF65-F5344CB8AC3E}">
@@ -3966,7 +4242,7 @@
           <p:cNvPr id="2" name="タイトル 1">
             <a:extLst>
               <a:ext uri="{FF2B5EF4-FFF2-40B4-BE49-F238E27FC236}">
-                <a16:creationId xmlns:a16="http://schemas.microsoft.com/office/drawing/2014/main" id="{C599B197-3F91-E44D-B8C2-6B737C2C434F}"/>
+                <a16:creationId xmlns:a16="http://schemas.microsoft.com/office/drawing/2014/main" id="{8A373D1B-E129-2542-B68B-D1BD8B9E33B4}"/>
               </a:ext>
             </a:extLst>
           </p:cNvPr>
@@ -3984,7 +4260,7 @@
           <a:p>
             <a:r>
               <a:rPr kumimoji="1" lang="ja-JP" altLang="en-US"/>
-              <a:t>進行方向を固定しない</a:t>
+              <a:t>進行方向を固定した交差点（テンプレート）</a:t>
             </a:r>
           </a:p>
         </p:txBody>
@@ -3994,7 +4270,7 @@
           <p:cNvPr id="3" name="コンテンツ プレースホルダー 2">
             <a:extLst>
               <a:ext uri="{FF2B5EF4-FFF2-40B4-BE49-F238E27FC236}">
-                <a16:creationId xmlns:a16="http://schemas.microsoft.com/office/drawing/2014/main" id="{5FF52C5F-1321-0248-9E6D-8731D9B0B052}"/>
+                <a16:creationId xmlns:a16="http://schemas.microsoft.com/office/drawing/2014/main" id="{09B942B5-F6F5-6548-B656-68DE0FBACB27}"/>
               </a:ext>
             </a:extLst>
           </p:cNvPr>
@@ -4017,7 +4293,7 @@
     </p:spTree>
     <p:extLst>
       <p:ext uri="{BB962C8B-B14F-4D97-AF65-F5344CB8AC3E}">
-        <p14:creationId xmlns:p14="http://schemas.microsoft.com/office/powerpoint/2010/main" val="1650424618"/>
+        <p14:creationId xmlns:p14="http://schemas.microsoft.com/office/powerpoint/2010/main" val="1652722366"/>
       </p:ext>
     </p:extLst>
   </p:cSld>
@@ -4049,7 +4325,7 @@
           <p:cNvPr id="2" name="タイトル 1">
             <a:extLst>
               <a:ext uri="{FF2B5EF4-FFF2-40B4-BE49-F238E27FC236}">
-                <a16:creationId xmlns:a16="http://schemas.microsoft.com/office/drawing/2014/main" id="{8A373D1B-E129-2542-B68B-D1BD8B9E33B4}"/>
+                <a16:creationId xmlns:a16="http://schemas.microsoft.com/office/drawing/2014/main" id="{F5071521-BD0C-9C4D-A495-D41B03AEA9F2}"/>
               </a:ext>
             </a:extLst>
           </p:cNvPr>
@@ -4067,7 +4343,7 @@
           <a:p>
             <a:r>
               <a:rPr kumimoji="1" lang="ja-JP" altLang="en-US"/>
-              <a:t>進行方向を固定した</a:t>
+              <a:t>インスタンス（合成）</a:t>
             </a:r>
           </a:p>
         </p:txBody>
@@ -4077,7 +4353,7 @@
           <p:cNvPr id="3" name="コンテンツ プレースホルダー 2">
             <a:extLst>
               <a:ext uri="{FF2B5EF4-FFF2-40B4-BE49-F238E27FC236}">
-                <a16:creationId xmlns:a16="http://schemas.microsoft.com/office/drawing/2014/main" id="{09B942B5-F6F5-6548-B656-68DE0FBACB27}"/>
+                <a16:creationId xmlns:a16="http://schemas.microsoft.com/office/drawing/2014/main" id="{65069F21-FB73-4747-B063-28BE0AE3D295}"/>
               </a:ext>
             </a:extLst>
           </p:cNvPr>
@@ -4100,7 +4376,7 @@
     </p:spTree>
     <p:extLst>
       <p:ext uri="{BB962C8B-B14F-4D97-AF65-F5344CB8AC3E}">
-        <p14:creationId xmlns:p14="http://schemas.microsoft.com/office/powerpoint/2010/main" val="1652722366"/>
+        <p14:creationId xmlns:p14="http://schemas.microsoft.com/office/powerpoint/2010/main" val="220698910"/>
       </p:ext>
     </p:extLst>
   </p:cSld>
@@ -4132,7 +4408,7 @@
           <p:cNvPr id="2" name="タイトル 1">
             <a:extLst>
               <a:ext uri="{FF2B5EF4-FFF2-40B4-BE49-F238E27FC236}">
-                <a16:creationId xmlns:a16="http://schemas.microsoft.com/office/drawing/2014/main" id="{32DC9A5E-B4F2-A54F-96EA-A5DDD2DD15AC}"/>
+                <a16:creationId xmlns:a16="http://schemas.microsoft.com/office/drawing/2014/main" id="{5CD6B903-3FB1-F348-A1E8-CECFD5CECD91}"/>
               </a:ext>
             </a:extLst>
           </p:cNvPr>
@@ -4150,7 +4426,7 @@
           <a:p>
             <a:r>
               <a:rPr kumimoji="1" lang="ja-JP" altLang="en-US"/>
-              <a:t>時間制約</a:t>
+              <a:t>シミュレーション</a:t>
             </a:r>
           </a:p>
         </p:txBody>
@@ -4160,7 +4436,7 @@
           <p:cNvPr id="3" name="コンテンツ プレースホルダー 2">
             <a:extLst>
               <a:ext uri="{FF2B5EF4-FFF2-40B4-BE49-F238E27FC236}">
-                <a16:creationId xmlns:a16="http://schemas.microsoft.com/office/drawing/2014/main" id="{41ACCB7A-F3C2-F34D-BFCF-541550AC2C29}"/>
+                <a16:creationId xmlns:a16="http://schemas.microsoft.com/office/drawing/2014/main" id="{FE962E1F-4B05-2A4E-90DF-4348D57D3227}"/>
               </a:ext>
             </a:extLst>
           </p:cNvPr>
@@ -4183,7 +4459,90 @@
     </p:spTree>
     <p:extLst>
       <p:ext uri="{BB962C8B-B14F-4D97-AF65-F5344CB8AC3E}">
-        <p14:creationId xmlns:p14="http://schemas.microsoft.com/office/powerpoint/2010/main" val="823686223"/>
+        <p14:creationId xmlns:p14="http://schemas.microsoft.com/office/powerpoint/2010/main" val="2999030388"/>
+      </p:ext>
+    </p:extLst>
+  </p:cSld>
+  <p:clrMapOvr>
+    <a:masterClrMapping/>
+  </p:clrMapOvr>
+</p:sld>
+</file>
+
+<file path=ppt/slides/slide9.xml><?xml version="1.0" encoding="utf-8"?>
+<p:sld xmlns:a="http://schemas.openxmlformats.org/drawingml/2006/main" xmlns:r="http://schemas.openxmlformats.org/officeDocument/2006/relationships" xmlns:p="http://schemas.openxmlformats.org/presentationml/2006/main">
+  <p:cSld>
+    <p:spTree>
+      <p:nvGrpSpPr>
+        <p:cNvPr id="1" name=""/>
+        <p:cNvGrpSpPr/>
+        <p:nvPr/>
+      </p:nvGrpSpPr>
+      <p:grpSpPr>
+        <a:xfrm>
+          <a:off x="0" y="0"/>
+          <a:ext cx="0" cy="0"/>
+          <a:chOff x="0" y="0"/>
+          <a:chExt cx="0" cy="0"/>
+        </a:xfrm>
+      </p:grpSpPr>
+      <p:sp>
+        <p:nvSpPr>
+          <p:cNvPr id="2" name="タイトル 1">
+            <a:extLst>
+              <a:ext uri="{FF2B5EF4-FFF2-40B4-BE49-F238E27FC236}">
+                <a16:creationId xmlns:a16="http://schemas.microsoft.com/office/drawing/2014/main" id="{AD08E1CD-D95D-6F4D-9C9A-B6E925C68110}"/>
+              </a:ext>
+            </a:extLst>
+          </p:cNvPr>
+          <p:cNvSpPr>
+            <a:spLocks noGrp="1"/>
+          </p:cNvSpPr>
+          <p:nvPr>
+            <p:ph type="title"/>
+          </p:nvPr>
+        </p:nvSpPr>
+        <p:spPr/>
+        <p:txBody>
+          <a:bodyPr/>
+          <a:lstStyle/>
+          <a:p>
+            <a:r>
+              <a:rPr kumimoji="1" lang="ja-JP" altLang="en-US"/>
+              <a:t>検証（デッドロック）</a:t>
+            </a:r>
+          </a:p>
+        </p:txBody>
+      </p:sp>
+      <p:sp>
+        <p:nvSpPr>
+          <p:cNvPr id="3" name="コンテンツ プレースホルダー 2">
+            <a:extLst>
+              <a:ext uri="{FF2B5EF4-FFF2-40B4-BE49-F238E27FC236}">
+                <a16:creationId xmlns:a16="http://schemas.microsoft.com/office/drawing/2014/main" id="{2D652021-5152-5B48-87C7-E74771A2DDE9}"/>
+              </a:ext>
+            </a:extLst>
+          </p:cNvPr>
+          <p:cNvSpPr>
+            <a:spLocks noGrp="1"/>
+          </p:cNvSpPr>
+          <p:nvPr>
+            <p:ph idx="1"/>
+          </p:nvPr>
+        </p:nvSpPr>
+        <p:spPr/>
+        <p:txBody>
+          <a:bodyPr/>
+          <a:lstStyle/>
+          <a:p>
+            <a:endParaRPr kumimoji="1" lang="ja-JP" altLang="en-US"/>
+          </a:p>
+        </p:txBody>
+      </p:sp>
+    </p:spTree>
+    <p:extLst>
+      <p:ext uri="{BB962C8B-B14F-4D97-AF65-F5344CB8AC3E}">
+        <p14:creationId xmlns:p14="http://schemas.microsoft.com/office/powerpoint/2010/main" val="4120527565"/>
       </p:ext>
     </p:extLst>
   </p:cSld>

--- a/GraduateSlide.pptx
+++ b/GraduateSlide.pptx
@@ -4,18 +4,22 @@
   <p:sldMasterIdLst>
     <p:sldMasterId id="2147483660" r:id="rId1"/>
   </p:sldMasterIdLst>
+  <p:notesMasterIdLst>
+    <p:notesMasterId r:id="rId14"/>
+  </p:notesMasterIdLst>
   <p:sldIdLst>
     <p:sldId id="256" r:id="rId2"/>
     <p:sldId id="261" r:id="rId3"/>
-    <p:sldId id="265" r:id="rId4"/>
-    <p:sldId id="262" r:id="rId5"/>
-    <p:sldId id="263" r:id="rId6"/>
-    <p:sldId id="259" r:id="rId7"/>
-    <p:sldId id="266" r:id="rId8"/>
-    <p:sldId id="267" r:id="rId9"/>
-    <p:sldId id="268" r:id="rId10"/>
-    <p:sldId id="260" r:id="rId11"/>
-    <p:sldId id="264" r:id="rId12"/>
+    <p:sldId id="269" r:id="rId4"/>
+    <p:sldId id="265" r:id="rId5"/>
+    <p:sldId id="262" r:id="rId6"/>
+    <p:sldId id="263" r:id="rId7"/>
+    <p:sldId id="259" r:id="rId8"/>
+    <p:sldId id="266" r:id="rId9"/>
+    <p:sldId id="267" r:id="rId10"/>
+    <p:sldId id="268" r:id="rId11"/>
+    <p:sldId id="260" r:id="rId12"/>
+    <p:sldId id="264" r:id="rId13"/>
   </p:sldIdLst>
   <p:sldSz cx="9144000" cy="6858000" type="screen4x3"/>
   <p:notesSz cx="6858000" cy="9144000"/>
@@ -122,6 +126,1803 @@
 </p:presentation>
 </file>
 
+<file path=ppt/notesMasters/notesMaster1.xml><?xml version="1.0" encoding="utf-8"?>
+<p:notesMaster xmlns:a="http://schemas.openxmlformats.org/drawingml/2006/main" xmlns:r="http://schemas.openxmlformats.org/officeDocument/2006/relationships" xmlns:p="http://schemas.openxmlformats.org/presentationml/2006/main">
+  <p:cSld>
+    <p:bg>
+      <p:bgRef idx="1001">
+        <a:schemeClr val="bg1"/>
+      </p:bgRef>
+    </p:bg>
+    <p:spTree>
+      <p:nvGrpSpPr>
+        <p:cNvPr id="1" name=""/>
+        <p:cNvGrpSpPr/>
+        <p:nvPr/>
+      </p:nvGrpSpPr>
+      <p:grpSpPr>
+        <a:xfrm>
+          <a:off x="0" y="0"/>
+          <a:ext cx="0" cy="0"/>
+          <a:chOff x="0" y="0"/>
+          <a:chExt cx="0" cy="0"/>
+        </a:xfrm>
+      </p:grpSpPr>
+      <p:sp>
+        <p:nvSpPr>
+          <p:cNvPr id="2" name="ヘッダー プレースホルダー 1"/>
+          <p:cNvSpPr>
+            <a:spLocks noGrp="1"/>
+          </p:cNvSpPr>
+          <p:nvPr>
+            <p:ph type="hdr" sz="quarter"/>
+          </p:nvPr>
+        </p:nvSpPr>
+        <p:spPr>
+          <a:xfrm>
+            <a:off x="0" y="0"/>
+            <a:ext cx="2971800" cy="458788"/>
+          </a:xfrm>
+          <a:prstGeom prst="rect">
+            <a:avLst/>
+          </a:prstGeom>
+        </p:spPr>
+        <p:txBody>
+          <a:bodyPr vert="horz" lIns="91440" tIns="45720" rIns="91440" bIns="45720" rtlCol="0"/>
+          <a:lstStyle>
+            <a:lvl1pPr algn="l">
+              <a:defRPr sz="1200"/>
+            </a:lvl1pPr>
+          </a:lstStyle>
+          <a:p>
+            <a:endParaRPr kumimoji="1" lang="ja-JP" altLang="en-US"/>
+          </a:p>
+        </p:txBody>
+      </p:sp>
+      <p:sp>
+        <p:nvSpPr>
+          <p:cNvPr id="3" name="日付プレースホルダー 2"/>
+          <p:cNvSpPr>
+            <a:spLocks noGrp="1"/>
+          </p:cNvSpPr>
+          <p:nvPr>
+            <p:ph type="dt" idx="1"/>
+          </p:nvPr>
+        </p:nvSpPr>
+        <p:spPr>
+          <a:xfrm>
+            <a:off x="3884613" y="0"/>
+            <a:ext cx="2971800" cy="458788"/>
+          </a:xfrm>
+          <a:prstGeom prst="rect">
+            <a:avLst/>
+          </a:prstGeom>
+        </p:spPr>
+        <p:txBody>
+          <a:bodyPr vert="horz" lIns="91440" tIns="45720" rIns="91440" bIns="45720" rtlCol="0"/>
+          <a:lstStyle>
+            <a:lvl1pPr algn="r">
+              <a:defRPr sz="1200"/>
+            </a:lvl1pPr>
+          </a:lstStyle>
+          <a:p>
+            <a:fld id="{75EF17F7-6263-2A4A-965F-4497015613F5}" type="datetimeFigureOut">
+              <a:rPr kumimoji="1" lang="ja-JP" altLang="en-US" smtClean="0"/>
+              <a:t>2019/2/14</a:t>
+            </a:fld>
+            <a:endParaRPr kumimoji="1" lang="ja-JP" altLang="en-US"/>
+          </a:p>
+        </p:txBody>
+      </p:sp>
+      <p:sp>
+        <p:nvSpPr>
+          <p:cNvPr id="4" name="スライド イメージ プレースホルダー 3"/>
+          <p:cNvSpPr>
+            <a:spLocks noGrp="1" noRot="1" noChangeAspect="1"/>
+          </p:cNvSpPr>
+          <p:nvPr>
+            <p:ph type="sldImg" idx="2"/>
+          </p:nvPr>
+        </p:nvSpPr>
+        <p:spPr>
+          <a:xfrm>
+            <a:off x="1371600" y="1143000"/>
+            <a:ext cx="4114800" cy="3086100"/>
+          </a:xfrm>
+          <a:prstGeom prst="rect">
+            <a:avLst/>
+          </a:prstGeom>
+          <a:noFill/>
+          <a:ln w="12700">
+            <a:solidFill>
+              <a:prstClr val="black"/>
+            </a:solidFill>
+          </a:ln>
+        </p:spPr>
+        <p:txBody>
+          <a:bodyPr vert="horz" lIns="91440" tIns="45720" rIns="91440" bIns="45720" rtlCol="0" anchor="ctr"/>
+          <a:lstStyle/>
+          <a:p>
+            <a:endParaRPr lang="ja-JP" altLang="en-US"/>
+          </a:p>
+        </p:txBody>
+      </p:sp>
+      <p:sp>
+        <p:nvSpPr>
+          <p:cNvPr id="5" name="ノート プレースホルダー 4"/>
+          <p:cNvSpPr>
+            <a:spLocks noGrp="1"/>
+          </p:cNvSpPr>
+          <p:nvPr>
+            <p:ph type="body" sz="quarter" idx="3"/>
+          </p:nvPr>
+        </p:nvSpPr>
+        <p:spPr>
+          <a:xfrm>
+            <a:off x="685800" y="4400550"/>
+            <a:ext cx="5486400" cy="3600450"/>
+          </a:xfrm>
+          <a:prstGeom prst="rect">
+            <a:avLst/>
+          </a:prstGeom>
+        </p:spPr>
+        <p:txBody>
+          <a:bodyPr vert="horz" lIns="91440" tIns="45720" rIns="91440" bIns="45720" rtlCol="0"/>
+          <a:lstStyle/>
+          <a:p>
+            <a:r>
+              <a:rPr kumimoji="1" lang="ja-JP" altLang="en-US"/>
+              <a:t>マスター テキストの書式設定
+第 </a:t>
+            </a:r>
+            <a:r>
+              <a:rPr kumimoji="1" lang="en-US" altLang="ja-JP"/>
+              <a:t>2 </a:t>
+            </a:r>
+            <a:r>
+              <a:rPr kumimoji="1" lang="ja-JP" altLang="en-US"/>
+              <a:t>レベル
+第 </a:t>
+            </a:r>
+            <a:r>
+              <a:rPr kumimoji="1" lang="en-US" altLang="ja-JP"/>
+              <a:t>3 </a:t>
+            </a:r>
+            <a:r>
+              <a:rPr kumimoji="1" lang="ja-JP" altLang="en-US"/>
+              <a:t>レベル
+第 </a:t>
+            </a:r>
+            <a:r>
+              <a:rPr kumimoji="1" lang="en-US" altLang="ja-JP"/>
+              <a:t>4 </a:t>
+            </a:r>
+            <a:r>
+              <a:rPr kumimoji="1" lang="ja-JP" altLang="en-US"/>
+              <a:t>レベル
+第 </a:t>
+            </a:r>
+            <a:r>
+              <a:rPr kumimoji="1" lang="en-US" altLang="ja-JP"/>
+              <a:t>5 </a:t>
+            </a:r>
+            <a:r>
+              <a:rPr kumimoji="1" lang="ja-JP" altLang="en-US"/>
+              <a:t>レベル</a:t>
+            </a:r>
+          </a:p>
+        </p:txBody>
+      </p:sp>
+      <p:sp>
+        <p:nvSpPr>
+          <p:cNvPr id="6" name="フッター プレースホルダー 5"/>
+          <p:cNvSpPr>
+            <a:spLocks noGrp="1"/>
+          </p:cNvSpPr>
+          <p:nvPr>
+            <p:ph type="ftr" sz="quarter" idx="4"/>
+          </p:nvPr>
+        </p:nvSpPr>
+        <p:spPr>
+          <a:xfrm>
+            <a:off x="0" y="8685213"/>
+            <a:ext cx="2971800" cy="458787"/>
+          </a:xfrm>
+          <a:prstGeom prst="rect">
+            <a:avLst/>
+          </a:prstGeom>
+        </p:spPr>
+        <p:txBody>
+          <a:bodyPr vert="horz" lIns="91440" tIns="45720" rIns="91440" bIns="45720" rtlCol="0" anchor="b"/>
+          <a:lstStyle>
+            <a:lvl1pPr algn="l">
+              <a:defRPr sz="1200"/>
+            </a:lvl1pPr>
+          </a:lstStyle>
+          <a:p>
+            <a:endParaRPr kumimoji="1" lang="ja-JP" altLang="en-US"/>
+          </a:p>
+        </p:txBody>
+      </p:sp>
+      <p:sp>
+        <p:nvSpPr>
+          <p:cNvPr id="7" name="スライド番号プレースホルダー 6"/>
+          <p:cNvSpPr>
+            <a:spLocks noGrp="1"/>
+          </p:cNvSpPr>
+          <p:nvPr>
+            <p:ph type="sldNum" sz="quarter" idx="5"/>
+          </p:nvPr>
+        </p:nvSpPr>
+        <p:spPr>
+          <a:xfrm>
+            <a:off x="3884613" y="8685213"/>
+            <a:ext cx="2971800" cy="458787"/>
+          </a:xfrm>
+          <a:prstGeom prst="rect">
+            <a:avLst/>
+          </a:prstGeom>
+        </p:spPr>
+        <p:txBody>
+          <a:bodyPr vert="horz" lIns="91440" tIns="45720" rIns="91440" bIns="45720" rtlCol="0" anchor="b"/>
+          <a:lstStyle>
+            <a:lvl1pPr algn="r">
+              <a:defRPr sz="1200"/>
+            </a:lvl1pPr>
+          </a:lstStyle>
+          <a:p>
+            <a:fld id="{11F85072-4CE5-B642-BEDE-DD2D511F1D93}" type="slidenum">
+              <a:rPr kumimoji="1" lang="ja-JP" altLang="en-US" smtClean="0"/>
+              <a:t>‹#›</a:t>
+            </a:fld>
+            <a:endParaRPr kumimoji="1" lang="ja-JP" altLang="en-US"/>
+          </a:p>
+        </p:txBody>
+      </p:sp>
+    </p:spTree>
+    <p:extLst>
+      <p:ext uri="{BB962C8B-B14F-4D97-AF65-F5344CB8AC3E}">
+        <p14:creationId xmlns:p14="http://schemas.microsoft.com/office/powerpoint/2010/main" val="3302600130"/>
+      </p:ext>
+    </p:extLst>
+  </p:cSld>
+  <p:clrMap bg1="lt1" tx1="dk1" bg2="lt2" tx2="dk2" accent1="accent1" accent2="accent2" accent3="accent3" accent4="accent4" accent5="accent5" accent6="accent6" hlink="hlink" folHlink="folHlink"/>
+  <p:notesStyle>
+    <a:lvl1pPr marL="0" algn="l" defTabSz="914400" rtl="0" eaLnBrk="1" latinLnBrk="0" hangingPunct="1">
+      <a:defRPr kumimoji="1" sz="1200" kern="1200">
+        <a:solidFill>
+          <a:schemeClr val="tx1"/>
+        </a:solidFill>
+        <a:latin typeface="+mn-lt"/>
+        <a:ea typeface="+mn-ea"/>
+        <a:cs typeface="+mn-cs"/>
+      </a:defRPr>
+    </a:lvl1pPr>
+    <a:lvl2pPr marL="457200" algn="l" defTabSz="914400" rtl="0" eaLnBrk="1" latinLnBrk="0" hangingPunct="1">
+      <a:defRPr kumimoji="1" sz="1200" kern="1200">
+        <a:solidFill>
+          <a:schemeClr val="tx1"/>
+        </a:solidFill>
+        <a:latin typeface="+mn-lt"/>
+        <a:ea typeface="+mn-ea"/>
+        <a:cs typeface="+mn-cs"/>
+      </a:defRPr>
+    </a:lvl2pPr>
+    <a:lvl3pPr marL="914400" algn="l" defTabSz="914400" rtl="0" eaLnBrk="1" latinLnBrk="0" hangingPunct="1">
+      <a:defRPr kumimoji="1" sz="1200" kern="1200">
+        <a:solidFill>
+          <a:schemeClr val="tx1"/>
+        </a:solidFill>
+        <a:latin typeface="+mn-lt"/>
+        <a:ea typeface="+mn-ea"/>
+        <a:cs typeface="+mn-cs"/>
+      </a:defRPr>
+    </a:lvl3pPr>
+    <a:lvl4pPr marL="1371600" algn="l" defTabSz="914400" rtl="0" eaLnBrk="1" latinLnBrk="0" hangingPunct="1">
+      <a:defRPr kumimoji="1" sz="1200" kern="1200">
+        <a:solidFill>
+          <a:schemeClr val="tx1"/>
+        </a:solidFill>
+        <a:latin typeface="+mn-lt"/>
+        <a:ea typeface="+mn-ea"/>
+        <a:cs typeface="+mn-cs"/>
+      </a:defRPr>
+    </a:lvl4pPr>
+    <a:lvl5pPr marL="1828800" algn="l" defTabSz="914400" rtl="0" eaLnBrk="1" latinLnBrk="0" hangingPunct="1">
+      <a:defRPr kumimoji="1" sz="1200" kern="1200">
+        <a:solidFill>
+          <a:schemeClr val="tx1"/>
+        </a:solidFill>
+        <a:latin typeface="+mn-lt"/>
+        <a:ea typeface="+mn-ea"/>
+        <a:cs typeface="+mn-cs"/>
+      </a:defRPr>
+    </a:lvl5pPr>
+    <a:lvl6pPr marL="2286000" algn="l" defTabSz="914400" rtl="0" eaLnBrk="1" latinLnBrk="0" hangingPunct="1">
+      <a:defRPr kumimoji="1" sz="1200" kern="1200">
+        <a:solidFill>
+          <a:schemeClr val="tx1"/>
+        </a:solidFill>
+        <a:latin typeface="+mn-lt"/>
+        <a:ea typeface="+mn-ea"/>
+        <a:cs typeface="+mn-cs"/>
+      </a:defRPr>
+    </a:lvl6pPr>
+    <a:lvl7pPr marL="2743200" algn="l" defTabSz="914400" rtl="0" eaLnBrk="1" latinLnBrk="0" hangingPunct="1">
+      <a:defRPr kumimoji="1" sz="1200" kern="1200">
+        <a:solidFill>
+          <a:schemeClr val="tx1"/>
+        </a:solidFill>
+        <a:latin typeface="+mn-lt"/>
+        <a:ea typeface="+mn-ea"/>
+        <a:cs typeface="+mn-cs"/>
+      </a:defRPr>
+    </a:lvl7pPr>
+    <a:lvl8pPr marL="3200400" algn="l" defTabSz="914400" rtl="0" eaLnBrk="1" latinLnBrk="0" hangingPunct="1">
+      <a:defRPr kumimoji="1" sz="1200" kern="1200">
+        <a:solidFill>
+          <a:schemeClr val="tx1"/>
+        </a:solidFill>
+        <a:latin typeface="+mn-lt"/>
+        <a:ea typeface="+mn-ea"/>
+        <a:cs typeface="+mn-cs"/>
+      </a:defRPr>
+    </a:lvl8pPr>
+    <a:lvl9pPr marL="3657600" algn="l" defTabSz="914400" rtl="0" eaLnBrk="1" latinLnBrk="0" hangingPunct="1">
+      <a:defRPr kumimoji="1" sz="1200" kern="1200">
+        <a:solidFill>
+          <a:schemeClr val="tx1"/>
+        </a:solidFill>
+        <a:latin typeface="+mn-lt"/>
+        <a:ea typeface="+mn-ea"/>
+        <a:cs typeface="+mn-cs"/>
+      </a:defRPr>
+    </a:lvl9pPr>
+  </p:notesStyle>
+</p:notesMaster>
+</file>
+
+<file path=ppt/notesSlides/notesSlide1.xml><?xml version="1.0" encoding="utf-8"?>
+<p:notes xmlns:a="http://schemas.openxmlformats.org/drawingml/2006/main" xmlns:r="http://schemas.openxmlformats.org/officeDocument/2006/relationships" xmlns:p="http://schemas.openxmlformats.org/presentationml/2006/main">
+  <p:cSld>
+    <p:spTree>
+      <p:nvGrpSpPr>
+        <p:cNvPr id="1" name=""/>
+        <p:cNvGrpSpPr/>
+        <p:nvPr/>
+      </p:nvGrpSpPr>
+      <p:grpSpPr>
+        <a:xfrm>
+          <a:off x="0" y="0"/>
+          <a:ext cx="0" cy="0"/>
+          <a:chOff x="0" y="0"/>
+          <a:chExt cx="0" cy="0"/>
+        </a:xfrm>
+      </p:grpSpPr>
+      <p:sp>
+        <p:nvSpPr>
+          <p:cNvPr id="2" name="スライド イメージ プレースホルダー 1"/>
+          <p:cNvSpPr>
+            <a:spLocks noGrp="1" noRot="1" noChangeAspect="1"/>
+          </p:cNvSpPr>
+          <p:nvPr>
+            <p:ph type="sldImg"/>
+          </p:nvPr>
+        </p:nvSpPr>
+        <p:spPr/>
+      </p:sp>
+      <p:sp>
+        <p:nvSpPr>
+          <p:cNvPr id="3" name="ノート プレースホルダー 2"/>
+          <p:cNvSpPr>
+            <a:spLocks noGrp="1"/>
+          </p:cNvSpPr>
+          <p:nvPr>
+            <p:ph type="body" idx="1"/>
+          </p:nvPr>
+        </p:nvSpPr>
+        <p:spPr/>
+        <p:txBody>
+          <a:bodyPr/>
+          <a:lstStyle/>
+          <a:p>
+            <a:pPr marL="0" marR="0" lvl="0" indent="0" algn="l" defTabSz="914400" rtl="0" eaLnBrk="1" fontAlgn="auto" latinLnBrk="0" hangingPunct="1">
+              <a:lnSpc>
+                <a:spcPct val="100000"/>
+              </a:lnSpc>
+              <a:spcBef>
+                <a:spcPts val="0"/>
+              </a:spcBef>
+              <a:spcAft>
+                <a:spcPts val="0"/>
+              </a:spcAft>
+              <a:buClrTx/>
+              <a:buSzTx/>
+              <a:buFontTx/>
+              <a:buNone/>
+              <a:tabLst/>
+              <a:defRPr/>
+            </a:pPr>
+            <a:r>
+              <a:rPr kumimoji="1" lang="ja-JP" altLang="en-US"/>
+              <a:t>近年自動運動技術は著しい発達が続いています。自動運転車で構成された都市空間において任意の時刻に利用者が自動運転車に乗降し移動するためには大量の車両が必要となる。</a:t>
+            </a:r>
+            <a:endParaRPr kumimoji="1" lang="ja-JP" altLang="en-US" sz="1200" kern="1200">
+              <a:solidFill>
+                <a:schemeClr val="tx1"/>
+              </a:solidFill>
+              <a:effectLst/>
+              <a:latin typeface="+mn-lt"/>
+              <a:ea typeface="+mn-ea"/>
+              <a:cs typeface="+mn-cs"/>
+            </a:endParaRPr>
+          </a:p>
+          <a:p>
+            <a:pPr marL="0" marR="0" lvl="0" indent="0" algn="l" defTabSz="914400" rtl="0" eaLnBrk="1" fontAlgn="auto" latinLnBrk="0" hangingPunct="1">
+              <a:lnSpc>
+                <a:spcPct val="100000"/>
+              </a:lnSpc>
+              <a:spcBef>
+                <a:spcPts val="0"/>
+              </a:spcBef>
+              <a:spcAft>
+                <a:spcPts val="0"/>
+              </a:spcAft>
+              <a:buClrTx/>
+              <a:buSzTx/>
+              <a:buFontTx/>
+              <a:buNone/>
+              <a:tabLst/>
+              <a:defRPr/>
+            </a:pPr>
+            <a:r>
+              <a:rPr kumimoji="1" lang="ja-JP" altLang="en-US" sz="1200" kern="1200">
+                <a:solidFill>
+                  <a:schemeClr val="tx1"/>
+                </a:solidFill>
+                <a:effectLst/>
+                <a:latin typeface="+mn-lt"/>
+                <a:ea typeface="+mn-ea"/>
+                <a:cs typeface="+mn-cs"/>
+              </a:rPr>
+              <a:t>道路上の車両密度が高くなるため，渋滞やデッドロックが発生することが想定される。したがって，個々の車両だけではなく，自動運転車群が効率的に走行するアルゴリズムが必要となる。</a:t>
+            </a:r>
+          </a:p>
+          <a:p>
+            <a:endParaRPr kumimoji="1" lang="ja-JP" altLang="en-US"/>
+          </a:p>
+        </p:txBody>
+      </p:sp>
+      <p:sp>
+        <p:nvSpPr>
+          <p:cNvPr id="4" name="スライド番号プレースホルダー 3"/>
+          <p:cNvSpPr>
+            <a:spLocks noGrp="1"/>
+          </p:cNvSpPr>
+          <p:nvPr>
+            <p:ph type="sldNum" sz="quarter" idx="5"/>
+          </p:nvPr>
+        </p:nvSpPr>
+        <p:spPr/>
+        <p:txBody>
+          <a:bodyPr/>
+          <a:lstStyle/>
+          <a:p>
+            <a:fld id="{11F85072-4CE5-B642-BEDE-DD2D511F1D93}" type="slidenum">
+              <a:rPr kumimoji="1" lang="ja-JP" altLang="en-US" smtClean="0"/>
+              <a:t>2</a:t>
+            </a:fld>
+            <a:endParaRPr kumimoji="1" lang="ja-JP" altLang="en-US"/>
+          </a:p>
+        </p:txBody>
+      </p:sp>
+    </p:spTree>
+    <p:extLst>
+      <p:ext uri="{BB962C8B-B14F-4D97-AF65-F5344CB8AC3E}">
+        <p14:creationId xmlns:p14="http://schemas.microsoft.com/office/powerpoint/2010/main" val="1925583516"/>
+      </p:ext>
+    </p:extLst>
+  </p:cSld>
+  <p:clrMapOvr>
+    <a:masterClrMapping/>
+  </p:clrMapOvr>
+</p:notes>
+</file>
+
+<file path=ppt/notesSlides/notesSlide10.xml><?xml version="1.0" encoding="utf-8"?>
+<p:notes xmlns:a="http://schemas.openxmlformats.org/drawingml/2006/main" xmlns:r="http://schemas.openxmlformats.org/officeDocument/2006/relationships" xmlns:p="http://schemas.openxmlformats.org/presentationml/2006/main">
+  <p:cSld>
+    <p:spTree>
+      <p:nvGrpSpPr>
+        <p:cNvPr id="1" name=""/>
+        <p:cNvGrpSpPr/>
+        <p:nvPr/>
+      </p:nvGrpSpPr>
+      <p:grpSpPr>
+        <a:xfrm>
+          <a:off x="0" y="0"/>
+          <a:ext cx="0" cy="0"/>
+          <a:chOff x="0" y="0"/>
+          <a:chExt cx="0" cy="0"/>
+        </a:xfrm>
+      </p:grpSpPr>
+      <p:sp>
+        <p:nvSpPr>
+          <p:cNvPr id="2" name="スライド イメージ プレースホルダー 1"/>
+          <p:cNvSpPr>
+            <a:spLocks noGrp="1" noRot="1" noChangeAspect="1"/>
+          </p:cNvSpPr>
+          <p:nvPr>
+            <p:ph type="sldImg"/>
+          </p:nvPr>
+        </p:nvSpPr>
+        <p:spPr/>
+      </p:sp>
+      <p:sp>
+        <p:nvSpPr>
+          <p:cNvPr id="3" name="ノート プレースホルダー 2"/>
+          <p:cNvSpPr>
+            <a:spLocks noGrp="1"/>
+          </p:cNvSpPr>
+          <p:nvPr>
+            <p:ph type="body" idx="1"/>
+          </p:nvPr>
+        </p:nvSpPr>
+        <p:spPr/>
+        <p:txBody>
+          <a:bodyPr/>
+          <a:lstStyle/>
+          <a:p>
+            <a:r>
+              <a:rPr kumimoji="1" lang="ja-JP" altLang="en-US"/>
+              <a:t>式のセル。最小性と可能性の説明</a:t>
+            </a:r>
+          </a:p>
+        </p:txBody>
+      </p:sp>
+      <p:sp>
+        <p:nvSpPr>
+          <p:cNvPr id="4" name="スライド番号プレースホルダー 3"/>
+          <p:cNvSpPr>
+            <a:spLocks noGrp="1"/>
+          </p:cNvSpPr>
+          <p:nvPr>
+            <p:ph type="sldNum" sz="quarter" idx="5"/>
+          </p:nvPr>
+        </p:nvSpPr>
+        <p:spPr/>
+        <p:txBody>
+          <a:bodyPr/>
+          <a:lstStyle/>
+          <a:p>
+            <a:fld id="{11F85072-4CE5-B642-BEDE-DD2D511F1D93}" type="slidenum">
+              <a:rPr kumimoji="1" lang="ja-JP" altLang="en-US" smtClean="0"/>
+              <a:t>11</a:t>
+            </a:fld>
+            <a:endParaRPr kumimoji="1" lang="ja-JP" altLang="en-US"/>
+          </a:p>
+        </p:txBody>
+      </p:sp>
+    </p:spTree>
+    <p:extLst>
+      <p:ext uri="{BB962C8B-B14F-4D97-AF65-F5344CB8AC3E}">
+        <p14:creationId xmlns:p14="http://schemas.microsoft.com/office/powerpoint/2010/main" val="1556766373"/>
+      </p:ext>
+    </p:extLst>
+  </p:cSld>
+  <p:clrMapOvr>
+    <a:masterClrMapping/>
+  </p:clrMapOvr>
+</p:notes>
+</file>
+
+<file path=ppt/notesSlides/notesSlide11.xml><?xml version="1.0" encoding="utf-8"?>
+<p:notes xmlns:a="http://schemas.openxmlformats.org/drawingml/2006/main" xmlns:r="http://schemas.openxmlformats.org/officeDocument/2006/relationships" xmlns:p="http://schemas.openxmlformats.org/presentationml/2006/main">
+  <p:cSld>
+    <p:spTree>
+      <p:nvGrpSpPr>
+        <p:cNvPr id="1" name=""/>
+        <p:cNvGrpSpPr/>
+        <p:nvPr/>
+      </p:nvGrpSpPr>
+      <p:grpSpPr>
+        <a:xfrm>
+          <a:off x="0" y="0"/>
+          <a:ext cx="0" cy="0"/>
+          <a:chOff x="0" y="0"/>
+          <a:chExt cx="0" cy="0"/>
+        </a:xfrm>
+      </p:grpSpPr>
+      <p:sp>
+        <p:nvSpPr>
+          <p:cNvPr id="2" name="スライド イメージ プレースホルダー 1"/>
+          <p:cNvSpPr>
+            <a:spLocks noGrp="1" noRot="1" noChangeAspect="1"/>
+          </p:cNvSpPr>
+          <p:nvPr>
+            <p:ph type="sldImg"/>
+          </p:nvPr>
+        </p:nvSpPr>
+        <p:spPr/>
+      </p:sp>
+      <p:sp>
+        <p:nvSpPr>
+          <p:cNvPr id="3" name="ノート プレースホルダー 2"/>
+          <p:cNvSpPr>
+            <a:spLocks noGrp="1"/>
+          </p:cNvSpPr>
+          <p:nvPr>
+            <p:ph type="body" idx="1"/>
+          </p:nvPr>
+        </p:nvSpPr>
+        <p:spPr/>
+        <p:txBody>
+          <a:bodyPr/>
+          <a:lstStyle/>
+          <a:p>
+            <a:pPr marL="0" marR="0" lvl="0" indent="0" algn="l" defTabSz="914400" rtl="0" eaLnBrk="1" fontAlgn="auto" latinLnBrk="0" hangingPunct="1">
+              <a:lnSpc>
+                <a:spcPct val="100000"/>
+              </a:lnSpc>
+              <a:spcBef>
+                <a:spcPts val="0"/>
+              </a:spcBef>
+              <a:spcAft>
+                <a:spcPts val="0"/>
+              </a:spcAft>
+              <a:buClrTx/>
+              <a:buSzTx/>
+              <a:buFontTx/>
+              <a:buNone/>
+              <a:tabLst/>
+              <a:defRPr/>
+            </a:pPr>
+            <a:r>
+              <a:rPr kumimoji="1" lang="ja-JP" altLang="en-US" sz="1200" kern="1200">
+                <a:solidFill>
+                  <a:schemeClr val="tx1"/>
+                </a:solidFill>
+                <a:effectLst/>
+                <a:latin typeface="+mn-lt"/>
+                <a:ea typeface="+mn-ea"/>
+                <a:cs typeface="+mn-cs"/>
+              </a:rPr>
+              <a:t>本研究では，</a:t>
+            </a:r>
+            <a:r>
+              <a:rPr kumimoji="1" lang="en" altLang="ja-JP" sz="1200" kern="1200" dirty="0">
+                <a:solidFill>
+                  <a:schemeClr val="tx1"/>
+                </a:solidFill>
+                <a:effectLst/>
+                <a:latin typeface="+mn-lt"/>
+                <a:ea typeface="+mn-ea"/>
+                <a:cs typeface="+mn-cs"/>
+              </a:rPr>
+              <a:t>UPPAAL</a:t>
+            </a:r>
+            <a:r>
+              <a:rPr kumimoji="1" lang="ja-JP" altLang="en-US" sz="1200" kern="1200">
+                <a:solidFill>
+                  <a:schemeClr val="tx1"/>
+                </a:solidFill>
+                <a:effectLst/>
+                <a:latin typeface="+mn-lt"/>
+                <a:ea typeface="+mn-ea"/>
+                <a:cs typeface="+mn-cs"/>
+              </a:rPr>
+              <a:t>を用いた自動運転車群制御アルゴリズムのモデル化と検証の手法を提案した。単一の交差点においては車両の挙動をモデル化し，デッドロックや通過時間を検証することができた。複数の交差点から構成される都市空間のモデルを作成し検証することが今後の課題である。</a:t>
+            </a:r>
+          </a:p>
+          <a:p>
+            <a:endParaRPr kumimoji="1" lang="ja-JP" altLang="en-US"/>
+          </a:p>
+        </p:txBody>
+      </p:sp>
+      <p:sp>
+        <p:nvSpPr>
+          <p:cNvPr id="4" name="スライド番号プレースホルダー 3"/>
+          <p:cNvSpPr>
+            <a:spLocks noGrp="1"/>
+          </p:cNvSpPr>
+          <p:nvPr>
+            <p:ph type="sldNum" sz="quarter" idx="5"/>
+          </p:nvPr>
+        </p:nvSpPr>
+        <p:spPr/>
+        <p:txBody>
+          <a:bodyPr/>
+          <a:lstStyle/>
+          <a:p>
+            <a:fld id="{11F85072-4CE5-B642-BEDE-DD2D511F1D93}" type="slidenum">
+              <a:rPr kumimoji="1" lang="ja-JP" altLang="en-US" smtClean="0"/>
+              <a:t>12</a:t>
+            </a:fld>
+            <a:endParaRPr kumimoji="1" lang="ja-JP" altLang="en-US"/>
+          </a:p>
+        </p:txBody>
+      </p:sp>
+    </p:spTree>
+    <p:extLst>
+      <p:ext uri="{BB962C8B-B14F-4D97-AF65-F5344CB8AC3E}">
+        <p14:creationId xmlns:p14="http://schemas.microsoft.com/office/powerpoint/2010/main" val="1565200391"/>
+      </p:ext>
+    </p:extLst>
+  </p:cSld>
+  <p:clrMapOvr>
+    <a:masterClrMapping/>
+  </p:clrMapOvr>
+</p:notes>
+</file>
+
+<file path=ppt/notesSlides/notesSlide2.xml><?xml version="1.0" encoding="utf-8"?>
+<p:notes xmlns:a="http://schemas.openxmlformats.org/drawingml/2006/main" xmlns:r="http://schemas.openxmlformats.org/officeDocument/2006/relationships" xmlns:p="http://schemas.openxmlformats.org/presentationml/2006/main">
+  <p:cSld>
+    <p:spTree>
+      <p:nvGrpSpPr>
+        <p:cNvPr id="1" name=""/>
+        <p:cNvGrpSpPr/>
+        <p:nvPr/>
+      </p:nvGrpSpPr>
+      <p:grpSpPr>
+        <a:xfrm>
+          <a:off x="0" y="0"/>
+          <a:ext cx="0" cy="0"/>
+          <a:chOff x="0" y="0"/>
+          <a:chExt cx="0" cy="0"/>
+        </a:xfrm>
+      </p:grpSpPr>
+      <p:sp>
+        <p:nvSpPr>
+          <p:cNvPr id="2" name="スライド イメージ プレースホルダー 1"/>
+          <p:cNvSpPr>
+            <a:spLocks noGrp="1" noRot="1" noChangeAspect="1"/>
+          </p:cNvSpPr>
+          <p:nvPr>
+            <p:ph type="sldImg"/>
+          </p:nvPr>
+        </p:nvSpPr>
+        <p:spPr/>
+      </p:sp>
+      <p:sp>
+        <p:nvSpPr>
+          <p:cNvPr id="3" name="ノート プレースホルダー 2"/>
+          <p:cNvSpPr>
+            <a:spLocks noGrp="1"/>
+          </p:cNvSpPr>
+          <p:nvPr>
+            <p:ph type="body" idx="1"/>
+          </p:nvPr>
+        </p:nvSpPr>
+        <p:spPr/>
+        <p:txBody>
+          <a:bodyPr/>
+          <a:lstStyle/>
+          <a:p>
+            <a:r>
+              <a:rPr kumimoji="1" lang="ja-JP" altLang="en-US" sz="1200" kern="1200">
+                <a:solidFill>
+                  <a:schemeClr val="tx1"/>
+                </a:solidFill>
+                <a:effectLst/>
+                <a:latin typeface="+mn-lt"/>
+                <a:ea typeface="+mn-ea"/>
+                <a:cs typeface="+mn-cs"/>
+              </a:rPr>
+              <a:t>自動運転は，搭載される技術によってレベル</a:t>
+            </a:r>
+            <a:r>
+              <a:rPr kumimoji="1" lang="en-US" altLang="ja-JP" sz="1200" kern="1200" dirty="0">
+                <a:solidFill>
+                  <a:schemeClr val="tx1"/>
+                </a:solidFill>
+                <a:effectLst/>
+                <a:latin typeface="+mn-lt"/>
+                <a:ea typeface="+mn-ea"/>
+                <a:cs typeface="+mn-cs"/>
+              </a:rPr>
+              <a:t>1</a:t>
+            </a:r>
+            <a:r>
+              <a:rPr kumimoji="1" lang="ja-JP" altLang="en-US" sz="1200" kern="1200">
+                <a:solidFill>
+                  <a:schemeClr val="tx1"/>
+                </a:solidFill>
+                <a:effectLst/>
+                <a:latin typeface="+mn-lt"/>
+                <a:ea typeface="+mn-ea"/>
+                <a:cs typeface="+mn-cs"/>
+              </a:rPr>
+              <a:t>からレベル</a:t>
+            </a:r>
+            <a:r>
+              <a:rPr kumimoji="1" lang="en-US" altLang="ja-JP" sz="1200" kern="1200" dirty="0">
+                <a:solidFill>
+                  <a:schemeClr val="tx1"/>
+                </a:solidFill>
+                <a:effectLst/>
+                <a:latin typeface="+mn-lt"/>
+                <a:ea typeface="+mn-ea"/>
+                <a:cs typeface="+mn-cs"/>
+              </a:rPr>
+              <a:t>5</a:t>
+            </a:r>
+            <a:r>
+              <a:rPr kumimoji="1" lang="ja-JP" altLang="en-US" sz="1200" kern="1200">
+                <a:solidFill>
+                  <a:schemeClr val="tx1"/>
+                </a:solidFill>
+                <a:effectLst/>
+                <a:latin typeface="+mn-lt"/>
+                <a:ea typeface="+mn-ea"/>
+                <a:cs typeface="+mn-cs"/>
+              </a:rPr>
+              <a:t>までに分けられており，現在，日本国内では，運転者支援を主としたレベル</a:t>
+            </a:r>
+            <a:r>
+              <a:rPr kumimoji="1" lang="en-US" altLang="ja-JP" sz="1200" kern="1200" dirty="0">
+                <a:solidFill>
+                  <a:schemeClr val="tx1"/>
+                </a:solidFill>
+                <a:effectLst/>
+                <a:latin typeface="+mn-lt"/>
+                <a:ea typeface="+mn-ea"/>
+                <a:cs typeface="+mn-cs"/>
+              </a:rPr>
+              <a:t>2</a:t>
+            </a:r>
+            <a:r>
+              <a:rPr kumimoji="1" lang="ja-JP" altLang="en-US" sz="1200" kern="1200">
+                <a:solidFill>
+                  <a:schemeClr val="tx1"/>
+                </a:solidFill>
+                <a:effectLst/>
+                <a:latin typeface="+mn-lt"/>
+                <a:ea typeface="+mn-ea"/>
+                <a:cs typeface="+mn-cs"/>
+              </a:rPr>
+              <a:t>までが市販車に採用されている。今後，高速道路や，限定地域での特定条件下での完全自動運転を行うレベル</a:t>
+            </a:r>
+            <a:r>
+              <a:rPr kumimoji="1" lang="en-US" altLang="ja-JP" sz="1200" kern="1200" dirty="0">
+                <a:solidFill>
+                  <a:schemeClr val="tx1"/>
+                </a:solidFill>
+                <a:effectLst/>
+                <a:latin typeface="+mn-lt"/>
+                <a:ea typeface="+mn-ea"/>
+                <a:cs typeface="+mn-cs"/>
+              </a:rPr>
+              <a:t>4</a:t>
+            </a:r>
+            <a:r>
+              <a:rPr kumimoji="1" lang="ja-JP" altLang="en-US" sz="1200" kern="1200">
+                <a:solidFill>
+                  <a:schemeClr val="tx1"/>
+                </a:solidFill>
+                <a:effectLst/>
+                <a:latin typeface="+mn-lt"/>
+                <a:ea typeface="+mn-ea"/>
+                <a:cs typeface="+mn-cs"/>
+              </a:rPr>
+              <a:t>の車両の普及が目指されている。</a:t>
+            </a:r>
+            <a:endParaRPr kumimoji="1" lang="ja-JP" altLang="en-US"/>
+          </a:p>
+        </p:txBody>
+      </p:sp>
+      <p:sp>
+        <p:nvSpPr>
+          <p:cNvPr id="4" name="スライド番号プレースホルダー 3"/>
+          <p:cNvSpPr>
+            <a:spLocks noGrp="1"/>
+          </p:cNvSpPr>
+          <p:nvPr>
+            <p:ph type="sldNum" sz="quarter" idx="5"/>
+          </p:nvPr>
+        </p:nvSpPr>
+        <p:spPr/>
+        <p:txBody>
+          <a:bodyPr/>
+          <a:lstStyle/>
+          <a:p>
+            <a:fld id="{11F85072-4CE5-B642-BEDE-DD2D511F1D93}" type="slidenum">
+              <a:rPr kumimoji="1" lang="ja-JP" altLang="en-US" smtClean="0"/>
+              <a:t>3</a:t>
+            </a:fld>
+            <a:endParaRPr kumimoji="1" lang="ja-JP" altLang="en-US"/>
+          </a:p>
+        </p:txBody>
+      </p:sp>
+    </p:spTree>
+    <p:extLst>
+      <p:ext uri="{BB962C8B-B14F-4D97-AF65-F5344CB8AC3E}">
+        <p14:creationId xmlns:p14="http://schemas.microsoft.com/office/powerpoint/2010/main" val="4118112329"/>
+      </p:ext>
+    </p:extLst>
+  </p:cSld>
+  <p:clrMapOvr>
+    <a:masterClrMapping/>
+  </p:clrMapOvr>
+</p:notes>
+</file>
+
+<file path=ppt/notesSlides/notesSlide3.xml><?xml version="1.0" encoding="utf-8"?>
+<p:notes xmlns:a="http://schemas.openxmlformats.org/drawingml/2006/main" xmlns:r="http://schemas.openxmlformats.org/officeDocument/2006/relationships" xmlns:p="http://schemas.openxmlformats.org/presentationml/2006/main">
+  <p:cSld>
+    <p:spTree>
+      <p:nvGrpSpPr>
+        <p:cNvPr id="1" name=""/>
+        <p:cNvGrpSpPr/>
+        <p:nvPr/>
+      </p:nvGrpSpPr>
+      <p:grpSpPr>
+        <a:xfrm>
+          <a:off x="0" y="0"/>
+          <a:ext cx="0" cy="0"/>
+          <a:chOff x="0" y="0"/>
+          <a:chExt cx="0" cy="0"/>
+        </a:xfrm>
+      </p:grpSpPr>
+      <p:sp>
+        <p:nvSpPr>
+          <p:cNvPr id="2" name="スライド イメージ プレースホルダー 1"/>
+          <p:cNvSpPr>
+            <a:spLocks noGrp="1" noRot="1" noChangeAspect="1"/>
+          </p:cNvSpPr>
+          <p:nvPr>
+            <p:ph type="sldImg"/>
+          </p:nvPr>
+        </p:nvSpPr>
+        <p:spPr/>
+      </p:sp>
+      <p:sp>
+        <p:nvSpPr>
+          <p:cNvPr id="3" name="ノート プレースホルダー 2"/>
+          <p:cNvSpPr>
+            <a:spLocks noGrp="1"/>
+          </p:cNvSpPr>
+          <p:nvPr>
+            <p:ph type="body" idx="1"/>
+          </p:nvPr>
+        </p:nvSpPr>
+        <p:spPr/>
+        <p:txBody>
+          <a:bodyPr/>
+          <a:lstStyle/>
+          <a:p>
+            <a:pPr marL="0" marR="0" lvl="0" indent="0" algn="l" defTabSz="914400" rtl="0" eaLnBrk="1" fontAlgn="auto" latinLnBrk="0" hangingPunct="1">
+              <a:lnSpc>
+                <a:spcPct val="100000"/>
+              </a:lnSpc>
+              <a:spcBef>
+                <a:spcPts val="0"/>
+              </a:spcBef>
+              <a:spcAft>
+                <a:spcPts val="0"/>
+              </a:spcAft>
+              <a:buClrTx/>
+              <a:buSzTx/>
+              <a:buFontTx/>
+              <a:buNone/>
+              <a:tabLst/>
+              <a:defRPr/>
+            </a:pPr>
+            <a:r>
+              <a:rPr kumimoji="1" lang="ja-JP" altLang="en-US" sz="1200" kern="1200">
+                <a:solidFill>
+                  <a:schemeClr val="tx1"/>
+                </a:solidFill>
+                <a:effectLst/>
+                <a:latin typeface="+mn-lt"/>
+                <a:ea typeface="+mn-ea"/>
+                <a:cs typeface="+mn-cs"/>
+              </a:rPr>
+              <a:t>本研究では群制御アルゴリズムが安全性に関わる衝突回避やデッドロック回避，効率性に関わる時間制約などの性質を満たすかどうかを検証する手法を提案する。</a:t>
+            </a:r>
+          </a:p>
+          <a:p>
+            <a:pPr marL="0" marR="0" lvl="0" indent="0" algn="l" defTabSz="914400" rtl="0" eaLnBrk="1" fontAlgn="auto" latinLnBrk="0" hangingPunct="1">
+              <a:lnSpc>
+                <a:spcPct val="100000"/>
+              </a:lnSpc>
+              <a:spcBef>
+                <a:spcPts val="0"/>
+              </a:spcBef>
+              <a:spcAft>
+                <a:spcPts val="0"/>
+              </a:spcAft>
+              <a:buClrTx/>
+              <a:buSzTx/>
+              <a:buFontTx/>
+              <a:buNone/>
+              <a:tabLst/>
+              <a:defRPr/>
+            </a:pPr>
+            <a:r>
+              <a:rPr kumimoji="1" lang="ja-JP" altLang="en-US" sz="1200" kern="1200">
+                <a:solidFill>
+                  <a:schemeClr val="tx1"/>
+                </a:solidFill>
+                <a:effectLst/>
+                <a:latin typeface="+mn-lt"/>
+                <a:ea typeface="+mn-ea"/>
+                <a:cs typeface="+mn-cs"/>
+              </a:rPr>
+              <a:t>自動運転車の群制御アルゴリズムを形式的に記述し，モデル検査を用いて，性質を検証する。モデル検査は，システム上で起こり得る状態を網羅的に調べることにより設計の誤りを発見する自動検証手法の一種である。モデル検査手法は，システムの振る舞いの設計，および検証したい性質をそれぞれモデル化し，ツールを用いて，システムが性質を満たしているかを調べる。</a:t>
+            </a:r>
+          </a:p>
+          <a:p>
+            <a:pPr marL="0" marR="0" lvl="0" indent="0" algn="l" defTabSz="914400" rtl="0" eaLnBrk="1" fontAlgn="auto" latinLnBrk="0" hangingPunct="1">
+              <a:lnSpc>
+                <a:spcPct val="100000"/>
+              </a:lnSpc>
+              <a:spcBef>
+                <a:spcPts val="0"/>
+              </a:spcBef>
+              <a:spcAft>
+                <a:spcPts val="0"/>
+              </a:spcAft>
+              <a:buClrTx/>
+              <a:buSzTx/>
+              <a:buFontTx/>
+              <a:buNone/>
+              <a:tabLst/>
+              <a:defRPr/>
+            </a:pPr>
+            <a:endParaRPr kumimoji="1" lang="ja-JP" altLang="en-US" sz="1200" kern="1200">
+              <a:solidFill>
+                <a:schemeClr val="tx1"/>
+              </a:solidFill>
+              <a:effectLst/>
+              <a:latin typeface="+mn-lt"/>
+              <a:ea typeface="+mn-ea"/>
+              <a:cs typeface="+mn-cs"/>
+            </a:endParaRPr>
+          </a:p>
+          <a:p>
+            <a:endParaRPr kumimoji="1" lang="ja-JP" altLang="en-US"/>
+          </a:p>
+        </p:txBody>
+      </p:sp>
+      <p:sp>
+        <p:nvSpPr>
+          <p:cNvPr id="4" name="スライド番号プレースホルダー 3"/>
+          <p:cNvSpPr>
+            <a:spLocks noGrp="1"/>
+          </p:cNvSpPr>
+          <p:nvPr>
+            <p:ph type="sldNum" sz="quarter" idx="5"/>
+          </p:nvPr>
+        </p:nvSpPr>
+        <p:spPr/>
+        <p:txBody>
+          <a:bodyPr/>
+          <a:lstStyle/>
+          <a:p>
+            <a:fld id="{11F85072-4CE5-B642-BEDE-DD2D511F1D93}" type="slidenum">
+              <a:rPr kumimoji="1" lang="ja-JP" altLang="en-US" smtClean="0"/>
+              <a:t>4</a:t>
+            </a:fld>
+            <a:endParaRPr kumimoji="1" lang="ja-JP" altLang="en-US"/>
+          </a:p>
+        </p:txBody>
+      </p:sp>
+    </p:spTree>
+    <p:extLst>
+      <p:ext uri="{BB962C8B-B14F-4D97-AF65-F5344CB8AC3E}">
+        <p14:creationId xmlns:p14="http://schemas.microsoft.com/office/powerpoint/2010/main" val="2797736078"/>
+      </p:ext>
+    </p:extLst>
+  </p:cSld>
+  <p:clrMapOvr>
+    <a:masterClrMapping/>
+  </p:clrMapOvr>
+</p:notes>
+</file>
+
+<file path=ppt/notesSlides/notesSlide4.xml><?xml version="1.0" encoding="utf-8"?>
+<p:notes xmlns:a="http://schemas.openxmlformats.org/drawingml/2006/main" xmlns:r="http://schemas.openxmlformats.org/officeDocument/2006/relationships" xmlns:p="http://schemas.openxmlformats.org/presentationml/2006/main">
+  <p:cSld>
+    <p:spTree>
+      <p:nvGrpSpPr>
+        <p:cNvPr id="1" name=""/>
+        <p:cNvGrpSpPr/>
+        <p:nvPr/>
+      </p:nvGrpSpPr>
+      <p:grpSpPr>
+        <a:xfrm>
+          <a:off x="0" y="0"/>
+          <a:ext cx="0" cy="0"/>
+          <a:chOff x="0" y="0"/>
+          <a:chExt cx="0" cy="0"/>
+        </a:xfrm>
+      </p:grpSpPr>
+      <p:sp>
+        <p:nvSpPr>
+          <p:cNvPr id="2" name="スライド イメージ プレースホルダー 1"/>
+          <p:cNvSpPr>
+            <a:spLocks noGrp="1" noRot="1" noChangeAspect="1"/>
+          </p:cNvSpPr>
+          <p:nvPr>
+            <p:ph type="sldImg"/>
+          </p:nvPr>
+        </p:nvSpPr>
+        <p:spPr/>
+      </p:sp>
+      <p:sp>
+        <p:nvSpPr>
+          <p:cNvPr id="3" name="ノート プレースホルダー 2"/>
+          <p:cNvSpPr>
+            <a:spLocks noGrp="1"/>
+          </p:cNvSpPr>
+          <p:nvPr>
+            <p:ph type="body" idx="1"/>
+          </p:nvPr>
+        </p:nvSpPr>
+        <p:spPr/>
+        <p:txBody>
+          <a:bodyPr/>
+          <a:lstStyle/>
+          <a:p>
+            <a:pPr marL="0" marR="0" lvl="0" indent="0" algn="l" defTabSz="914400" rtl="0" eaLnBrk="1" fontAlgn="auto" latinLnBrk="0" hangingPunct="1">
+              <a:lnSpc>
+                <a:spcPct val="100000"/>
+              </a:lnSpc>
+              <a:spcBef>
+                <a:spcPts val="0"/>
+              </a:spcBef>
+              <a:spcAft>
+                <a:spcPts val="0"/>
+              </a:spcAft>
+              <a:buClrTx/>
+              <a:buSzTx/>
+              <a:buFontTx/>
+              <a:buNone/>
+              <a:tabLst/>
+              <a:defRPr/>
+            </a:pPr>
+            <a:r>
+              <a:rPr kumimoji="1" lang="ja-JP" altLang="en-US" sz="1200" kern="1200">
+                <a:solidFill>
+                  <a:schemeClr val="tx1"/>
+                </a:solidFill>
+                <a:effectLst/>
+                <a:latin typeface="+mn-lt"/>
+                <a:ea typeface="+mn-ea"/>
+                <a:cs typeface="+mn-cs"/>
+              </a:rPr>
+              <a:t>モデル検査は，システム上で起こり得る状態を網羅的に調べることにより設計の誤りを発見する自動検証手法の一種である。モデル検査手法は，システムの振る舞いの設計，および検証したい性質をそれぞれモデル化し，ツールを用いて，システムが性質を満たしているかを調べる。</a:t>
+            </a:r>
+          </a:p>
+          <a:p>
+            <a:pPr marL="0" marR="0" lvl="0" indent="0" algn="l" defTabSz="914400" rtl="0" eaLnBrk="1" fontAlgn="auto" latinLnBrk="0" hangingPunct="1">
+              <a:lnSpc>
+                <a:spcPct val="100000"/>
+              </a:lnSpc>
+              <a:spcBef>
+                <a:spcPts val="0"/>
+              </a:spcBef>
+              <a:spcAft>
+                <a:spcPts val="0"/>
+              </a:spcAft>
+              <a:buClrTx/>
+              <a:buSzTx/>
+              <a:buFontTx/>
+              <a:buNone/>
+              <a:tabLst/>
+              <a:defRPr/>
+            </a:pPr>
+            <a:r>
+              <a:rPr kumimoji="1" lang="ja-JP" altLang="en-US" sz="1200" kern="1200">
+                <a:solidFill>
+                  <a:schemeClr val="tx1"/>
+                </a:solidFill>
+                <a:effectLst/>
+                <a:latin typeface="+mn-lt"/>
+                <a:ea typeface="+mn-ea"/>
+                <a:cs typeface="+mn-cs"/>
+              </a:rPr>
+              <a:t>モデル検査において，システムの動作を表現するシステムモデルを作成する必要がある。ソフトウェア開発のどの段階でモデル検査を活用したいか，もしくは，何をどの程度検証したいかによって，どのような情報をもとにどのようにシステムモデルを作成するかが変わってくる。専用のシステムモデルを入力とするモデル検査を設計モデル検査，ソースプログラムを入力とするモデル検査をプログラムモデル検査と呼ぶ。これらのモデル検査がソフトウェア開発の流れの中での活用例を図に示す。図にはソフトウェアの品質向上のために行われる手順である設計レビュー，コードレビュー，およびテストも挙げた。設計モデル検査は設計レビューを，プログラムモデル検査はコードレビューをそれぞれ補完する位置付けである。</a:t>
+            </a:r>
+          </a:p>
+          <a:p>
+            <a:endParaRPr kumimoji="1" lang="ja-JP" altLang="en-US"/>
+          </a:p>
+        </p:txBody>
+      </p:sp>
+      <p:sp>
+        <p:nvSpPr>
+          <p:cNvPr id="4" name="スライド番号プレースホルダー 3"/>
+          <p:cNvSpPr>
+            <a:spLocks noGrp="1"/>
+          </p:cNvSpPr>
+          <p:nvPr>
+            <p:ph type="sldNum" sz="quarter" idx="5"/>
+          </p:nvPr>
+        </p:nvSpPr>
+        <p:spPr/>
+        <p:txBody>
+          <a:bodyPr/>
+          <a:lstStyle/>
+          <a:p>
+            <a:fld id="{11F85072-4CE5-B642-BEDE-DD2D511F1D93}" type="slidenum">
+              <a:rPr kumimoji="1" lang="ja-JP" altLang="en-US" smtClean="0"/>
+              <a:t>5</a:t>
+            </a:fld>
+            <a:endParaRPr kumimoji="1" lang="ja-JP" altLang="en-US"/>
+          </a:p>
+        </p:txBody>
+      </p:sp>
+    </p:spTree>
+    <p:extLst>
+      <p:ext uri="{BB962C8B-B14F-4D97-AF65-F5344CB8AC3E}">
+        <p14:creationId xmlns:p14="http://schemas.microsoft.com/office/powerpoint/2010/main" val="3229599235"/>
+      </p:ext>
+    </p:extLst>
+  </p:cSld>
+  <p:clrMapOvr>
+    <a:masterClrMapping/>
+  </p:clrMapOvr>
+</p:notes>
+</file>
+
+<file path=ppt/notesSlides/notesSlide5.xml><?xml version="1.0" encoding="utf-8"?>
+<p:notes xmlns:a="http://schemas.openxmlformats.org/drawingml/2006/main" xmlns:r="http://schemas.openxmlformats.org/officeDocument/2006/relationships" xmlns:p="http://schemas.openxmlformats.org/presentationml/2006/main">
+  <p:cSld>
+    <p:spTree>
+      <p:nvGrpSpPr>
+        <p:cNvPr id="1" name=""/>
+        <p:cNvGrpSpPr/>
+        <p:nvPr/>
+      </p:nvGrpSpPr>
+      <p:grpSpPr>
+        <a:xfrm>
+          <a:off x="0" y="0"/>
+          <a:ext cx="0" cy="0"/>
+          <a:chOff x="0" y="0"/>
+          <a:chExt cx="0" cy="0"/>
+        </a:xfrm>
+      </p:grpSpPr>
+      <p:sp>
+        <p:nvSpPr>
+          <p:cNvPr id="2" name="スライド イメージ プレースホルダー 1"/>
+          <p:cNvSpPr>
+            <a:spLocks noGrp="1" noRot="1" noChangeAspect="1"/>
+          </p:cNvSpPr>
+          <p:nvPr>
+            <p:ph type="sldImg"/>
+          </p:nvPr>
+        </p:nvSpPr>
+        <p:spPr/>
+      </p:sp>
+      <p:sp>
+        <p:nvSpPr>
+          <p:cNvPr id="3" name="ノート プレースホルダー 2"/>
+          <p:cNvSpPr>
+            <a:spLocks noGrp="1"/>
+          </p:cNvSpPr>
+          <p:nvPr>
+            <p:ph type="body" idx="1"/>
+          </p:nvPr>
+        </p:nvSpPr>
+        <p:spPr/>
+        <p:txBody>
+          <a:bodyPr/>
+          <a:lstStyle/>
+          <a:p>
+            <a:pPr marL="0" marR="0" lvl="0" indent="0" algn="l" defTabSz="914400" rtl="0" eaLnBrk="1" fontAlgn="auto" latinLnBrk="0" hangingPunct="1">
+              <a:lnSpc>
+                <a:spcPct val="100000"/>
+              </a:lnSpc>
+              <a:spcBef>
+                <a:spcPts val="0"/>
+              </a:spcBef>
+              <a:spcAft>
+                <a:spcPts val="0"/>
+              </a:spcAft>
+              <a:buClrTx/>
+              <a:buSzTx/>
+              <a:buFontTx/>
+              <a:buNone/>
+              <a:tabLst/>
+              <a:defRPr/>
+            </a:pPr>
+            <a:r>
+              <a:rPr kumimoji="1" lang="en" altLang="ja-JP" sz="1200" kern="1200" dirty="0">
+                <a:solidFill>
+                  <a:schemeClr val="tx1"/>
+                </a:solidFill>
+                <a:effectLst/>
+                <a:latin typeface="+mn-lt"/>
+                <a:ea typeface="+mn-ea"/>
+                <a:cs typeface="+mn-cs"/>
+              </a:rPr>
+              <a:t>UPPAAL</a:t>
+            </a:r>
+            <a:r>
+              <a:rPr kumimoji="1" lang="ja-JP" altLang="en-US" sz="1200" kern="1200">
+                <a:solidFill>
+                  <a:schemeClr val="tx1"/>
+                </a:solidFill>
+                <a:effectLst/>
+                <a:latin typeface="+mn-lt"/>
+                <a:ea typeface="+mn-ea"/>
+                <a:cs typeface="+mn-cs"/>
+              </a:rPr>
+              <a:t>は作成したシステムモデルをの入力を</a:t>
+            </a:r>
+            <a:r>
+              <a:rPr kumimoji="1" lang="en" altLang="ja-JP" sz="1200" kern="1200" dirty="0">
+                <a:solidFill>
+                  <a:schemeClr val="tx1"/>
+                </a:solidFill>
+                <a:effectLst/>
+                <a:latin typeface="+mn-lt"/>
+                <a:ea typeface="+mn-ea"/>
+                <a:cs typeface="+mn-cs"/>
+              </a:rPr>
+              <a:t>GUI</a:t>
+            </a:r>
+            <a:r>
+              <a:rPr kumimoji="1" lang="ja-JP" altLang="en-US" sz="1200" kern="1200">
+                <a:solidFill>
+                  <a:schemeClr val="tx1"/>
+                </a:solidFill>
+                <a:effectLst/>
+                <a:latin typeface="+mn-lt"/>
+                <a:ea typeface="+mn-ea"/>
+                <a:cs typeface="+mn-cs"/>
+              </a:rPr>
+              <a:t>ベースにより定義している。このため，作成したシステムモデルが直感的に把握しやすい。入力したシステムモデルに対して，</a:t>
+            </a:r>
+            <a:r>
+              <a:rPr kumimoji="1" lang="en" altLang="ja-JP" sz="1200" kern="1200" dirty="0">
+                <a:solidFill>
+                  <a:schemeClr val="tx1"/>
+                </a:solidFill>
+                <a:effectLst/>
+                <a:latin typeface="+mn-lt"/>
+                <a:ea typeface="+mn-ea"/>
+                <a:cs typeface="+mn-cs"/>
+              </a:rPr>
+              <a:t>GUI</a:t>
+            </a:r>
+            <a:r>
+              <a:rPr kumimoji="1" lang="ja-JP" altLang="en-US" sz="1200" kern="1200">
+                <a:solidFill>
+                  <a:schemeClr val="tx1"/>
+                </a:solidFill>
+                <a:effectLst/>
+                <a:latin typeface="+mn-lt"/>
+                <a:ea typeface="+mn-ea"/>
+                <a:cs typeface="+mn-cs"/>
+              </a:rPr>
+              <a:t>ベースでシミュレーション実行とステップ実行が可能である。シミュレーション画面では，各プロセスの現在状態と変数の値，状態遷移図とメッセージシーケンスが表示される。</a:t>
+            </a:r>
+          </a:p>
+          <a:p>
+            <a:endParaRPr kumimoji="1" lang="ja-JP" altLang="en-US"/>
+          </a:p>
+        </p:txBody>
+      </p:sp>
+      <p:sp>
+        <p:nvSpPr>
+          <p:cNvPr id="4" name="スライド番号プレースホルダー 3"/>
+          <p:cNvSpPr>
+            <a:spLocks noGrp="1"/>
+          </p:cNvSpPr>
+          <p:nvPr>
+            <p:ph type="sldNum" sz="quarter" idx="5"/>
+          </p:nvPr>
+        </p:nvSpPr>
+        <p:spPr/>
+        <p:txBody>
+          <a:bodyPr/>
+          <a:lstStyle/>
+          <a:p>
+            <a:fld id="{11F85072-4CE5-B642-BEDE-DD2D511F1D93}" type="slidenum">
+              <a:rPr kumimoji="1" lang="ja-JP" altLang="en-US" smtClean="0"/>
+              <a:t>6</a:t>
+            </a:fld>
+            <a:endParaRPr kumimoji="1" lang="ja-JP" altLang="en-US"/>
+          </a:p>
+        </p:txBody>
+      </p:sp>
+    </p:spTree>
+    <p:extLst>
+      <p:ext uri="{BB962C8B-B14F-4D97-AF65-F5344CB8AC3E}">
+        <p14:creationId xmlns:p14="http://schemas.microsoft.com/office/powerpoint/2010/main" val="492437252"/>
+      </p:ext>
+    </p:extLst>
+  </p:cSld>
+  <p:clrMapOvr>
+    <a:masterClrMapping/>
+  </p:clrMapOvr>
+</p:notes>
+</file>
+
+<file path=ppt/notesSlides/notesSlide6.xml><?xml version="1.0" encoding="utf-8"?>
+<p:notes xmlns:a="http://schemas.openxmlformats.org/drawingml/2006/main" xmlns:r="http://schemas.openxmlformats.org/officeDocument/2006/relationships" xmlns:p="http://schemas.openxmlformats.org/presentationml/2006/main">
+  <p:cSld>
+    <p:spTree>
+      <p:nvGrpSpPr>
+        <p:cNvPr id="1" name=""/>
+        <p:cNvGrpSpPr/>
+        <p:nvPr/>
+      </p:nvGrpSpPr>
+      <p:grpSpPr>
+        <a:xfrm>
+          <a:off x="0" y="0"/>
+          <a:ext cx="0" cy="0"/>
+          <a:chOff x="0" y="0"/>
+          <a:chExt cx="0" cy="0"/>
+        </a:xfrm>
+      </p:grpSpPr>
+      <p:sp>
+        <p:nvSpPr>
+          <p:cNvPr id="2" name="スライド イメージ プレースホルダー 1"/>
+          <p:cNvSpPr>
+            <a:spLocks noGrp="1" noRot="1" noChangeAspect="1"/>
+          </p:cNvSpPr>
+          <p:nvPr>
+            <p:ph type="sldImg"/>
+          </p:nvPr>
+        </p:nvSpPr>
+        <p:spPr/>
+      </p:sp>
+      <p:sp>
+        <p:nvSpPr>
+          <p:cNvPr id="3" name="ノート プレースホルダー 2"/>
+          <p:cNvSpPr>
+            <a:spLocks noGrp="1"/>
+          </p:cNvSpPr>
+          <p:nvPr>
+            <p:ph type="body" idx="1"/>
+          </p:nvPr>
+        </p:nvSpPr>
+        <p:spPr/>
+        <p:txBody>
+          <a:bodyPr/>
+          <a:lstStyle/>
+          <a:p>
+            <a:r>
+              <a:rPr kumimoji="1" lang="ja-JP" altLang="en-US"/>
+              <a:t>地図と時間オートマトンを照らし合わせる</a:t>
+            </a:r>
+            <a:endParaRPr kumimoji="1" lang="en-US" altLang="ja-JP" dirty="0"/>
+          </a:p>
+          <a:p>
+            <a:r>
+              <a:rPr kumimoji="1" lang="ja-JP" altLang="en-US"/>
+              <a:t>テンプレートの名前見えるように</a:t>
+            </a:r>
+            <a:endParaRPr kumimoji="1" lang="en-US" altLang="ja-JP" dirty="0"/>
+          </a:p>
+          <a:p>
+            <a:r>
+              <a:rPr kumimoji="1" lang="ja-JP" altLang="en-US"/>
+              <a:t>使用権（ロック）の説明</a:t>
+            </a:r>
+            <a:endParaRPr kumimoji="1" lang="en-US" altLang="ja-JP" dirty="0"/>
+          </a:p>
+          <a:p>
+            <a:endParaRPr kumimoji="1" lang="en-US" altLang="ja-JP" dirty="0"/>
+          </a:p>
+        </p:txBody>
+      </p:sp>
+      <p:sp>
+        <p:nvSpPr>
+          <p:cNvPr id="4" name="スライド番号プレースホルダー 3"/>
+          <p:cNvSpPr>
+            <a:spLocks noGrp="1"/>
+          </p:cNvSpPr>
+          <p:nvPr>
+            <p:ph type="sldNum" sz="quarter" idx="5"/>
+          </p:nvPr>
+        </p:nvSpPr>
+        <p:spPr/>
+        <p:txBody>
+          <a:bodyPr/>
+          <a:lstStyle/>
+          <a:p>
+            <a:fld id="{11F85072-4CE5-B642-BEDE-DD2D511F1D93}" type="slidenum">
+              <a:rPr kumimoji="1" lang="ja-JP" altLang="en-US" smtClean="0"/>
+              <a:t>7</a:t>
+            </a:fld>
+            <a:endParaRPr kumimoji="1" lang="ja-JP" altLang="en-US"/>
+          </a:p>
+        </p:txBody>
+      </p:sp>
+    </p:spTree>
+    <p:extLst>
+      <p:ext uri="{BB962C8B-B14F-4D97-AF65-F5344CB8AC3E}">
+        <p14:creationId xmlns:p14="http://schemas.microsoft.com/office/powerpoint/2010/main" val="405403608"/>
+      </p:ext>
+    </p:extLst>
+  </p:cSld>
+  <p:clrMapOvr>
+    <a:masterClrMapping/>
+  </p:clrMapOvr>
+</p:notes>
+</file>
+
+<file path=ppt/notesSlides/notesSlide7.xml><?xml version="1.0" encoding="utf-8"?>
+<p:notes xmlns:a="http://schemas.openxmlformats.org/drawingml/2006/main" xmlns:r="http://schemas.openxmlformats.org/officeDocument/2006/relationships" xmlns:p="http://schemas.openxmlformats.org/presentationml/2006/main">
+  <p:cSld>
+    <p:spTree>
+      <p:nvGrpSpPr>
+        <p:cNvPr id="1" name=""/>
+        <p:cNvGrpSpPr/>
+        <p:nvPr/>
+      </p:nvGrpSpPr>
+      <p:grpSpPr>
+        <a:xfrm>
+          <a:off x="0" y="0"/>
+          <a:ext cx="0" cy="0"/>
+          <a:chOff x="0" y="0"/>
+          <a:chExt cx="0" cy="0"/>
+        </a:xfrm>
+      </p:grpSpPr>
+      <p:sp>
+        <p:nvSpPr>
+          <p:cNvPr id="2" name="スライド イメージ プレースホルダー 1"/>
+          <p:cNvSpPr>
+            <a:spLocks noGrp="1" noRot="1" noChangeAspect="1"/>
+          </p:cNvSpPr>
+          <p:nvPr>
+            <p:ph type="sldImg"/>
+          </p:nvPr>
+        </p:nvSpPr>
+        <p:spPr/>
+      </p:sp>
+      <p:sp>
+        <p:nvSpPr>
+          <p:cNvPr id="3" name="ノート プレースホルダー 2"/>
+          <p:cNvSpPr>
+            <a:spLocks noGrp="1"/>
+          </p:cNvSpPr>
+          <p:nvPr>
+            <p:ph type="body" idx="1"/>
+          </p:nvPr>
+        </p:nvSpPr>
+        <p:spPr/>
+        <p:txBody>
+          <a:bodyPr/>
+          <a:lstStyle/>
+          <a:p>
+            <a:r>
+              <a:rPr kumimoji="1" lang="ja-JP" altLang="en-US"/>
+              <a:t>地図絵こっち</a:t>
+            </a:r>
+          </a:p>
+        </p:txBody>
+      </p:sp>
+      <p:sp>
+        <p:nvSpPr>
+          <p:cNvPr id="4" name="スライド番号プレースホルダー 3"/>
+          <p:cNvSpPr>
+            <a:spLocks noGrp="1"/>
+          </p:cNvSpPr>
+          <p:nvPr>
+            <p:ph type="sldNum" sz="quarter" idx="5"/>
+          </p:nvPr>
+        </p:nvSpPr>
+        <p:spPr/>
+        <p:txBody>
+          <a:bodyPr/>
+          <a:lstStyle/>
+          <a:p>
+            <a:fld id="{11F85072-4CE5-B642-BEDE-DD2D511F1D93}" type="slidenum">
+              <a:rPr kumimoji="1" lang="ja-JP" altLang="en-US" smtClean="0"/>
+              <a:t>8</a:t>
+            </a:fld>
+            <a:endParaRPr kumimoji="1" lang="ja-JP" altLang="en-US"/>
+          </a:p>
+        </p:txBody>
+      </p:sp>
+    </p:spTree>
+    <p:extLst>
+      <p:ext uri="{BB962C8B-B14F-4D97-AF65-F5344CB8AC3E}">
+        <p14:creationId xmlns:p14="http://schemas.microsoft.com/office/powerpoint/2010/main" val="3931846368"/>
+      </p:ext>
+    </p:extLst>
+  </p:cSld>
+  <p:clrMapOvr>
+    <a:masterClrMapping/>
+  </p:clrMapOvr>
+</p:notes>
+</file>
+
+<file path=ppt/notesSlides/notesSlide8.xml><?xml version="1.0" encoding="utf-8"?>
+<p:notes xmlns:a="http://schemas.openxmlformats.org/drawingml/2006/main" xmlns:r="http://schemas.openxmlformats.org/officeDocument/2006/relationships" xmlns:p="http://schemas.openxmlformats.org/presentationml/2006/main">
+  <p:cSld>
+    <p:spTree>
+      <p:nvGrpSpPr>
+        <p:cNvPr id="1" name=""/>
+        <p:cNvGrpSpPr/>
+        <p:nvPr/>
+      </p:nvGrpSpPr>
+      <p:grpSpPr>
+        <a:xfrm>
+          <a:off x="0" y="0"/>
+          <a:ext cx="0" cy="0"/>
+          <a:chOff x="0" y="0"/>
+          <a:chExt cx="0" cy="0"/>
+        </a:xfrm>
+      </p:grpSpPr>
+      <p:sp>
+        <p:nvSpPr>
+          <p:cNvPr id="2" name="スライド イメージ プレースホルダー 1"/>
+          <p:cNvSpPr>
+            <a:spLocks noGrp="1" noRot="1" noChangeAspect="1"/>
+          </p:cNvSpPr>
+          <p:nvPr>
+            <p:ph type="sldImg"/>
+          </p:nvPr>
+        </p:nvSpPr>
+        <p:spPr/>
+      </p:sp>
+      <p:sp>
+        <p:nvSpPr>
+          <p:cNvPr id="3" name="ノート プレースホルダー 2"/>
+          <p:cNvSpPr>
+            <a:spLocks noGrp="1"/>
+          </p:cNvSpPr>
+          <p:nvPr>
+            <p:ph type="body" idx="1"/>
+          </p:nvPr>
+        </p:nvSpPr>
+        <p:spPr/>
+        <p:txBody>
+          <a:bodyPr/>
+          <a:lstStyle/>
+          <a:p>
+            <a:r>
+              <a:rPr kumimoji="1" lang="en-US" altLang="ja-JP" dirty="0"/>
+              <a:t>ns</a:t>
+            </a:r>
+            <a:r>
+              <a:rPr kumimoji="1" lang="ja-JP" altLang="en-US"/>
+              <a:t>が通過しているときに選べるものをひゅう辞する一覧表示</a:t>
+            </a:r>
+          </a:p>
+        </p:txBody>
+      </p:sp>
+      <p:sp>
+        <p:nvSpPr>
+          <p:cNvPr id="4" name="スライド番号プレースホルダー 3"/>
+          <p:cNvSpPr>
+            <a:spLocks noGrp="1"/>
+          </p:cNvSpPr>
+          <p:nvPr>
+            <p:ph type="sldNum" sz="quarter" idx="5"/>
+          </p:nvPr>
+        </p:nvSpPr>
+        <p:spPr/>
+        <p:txBody>
+          <a:bodyPr/>
+          <a:lstStyle/>
+          <a:p>
+            <a:fld id="{11F85072-4CE5-B642-BEDE-DD2D511F1D93}" type="slidenum">
+              <a:rPr kumimoji="1" lang="ja-JP" altLang="en-US" smtClean="0"/>
+              <a:t>9</a:t>
+            </a:fld>
+            <a:endParaRPr kumimoji="1" lang="ja-JP" altLang="en-US"/>
+          </a:p>
+        </p:txBody>
+      </p:sp>
+    </p:spTree>
+    <p:extLst>
+      <p:ext uri="{BB962C8B-B14F-4D97-AF65-F5344CB8AC3E}">
+        <p14:creationId xmlns:p14="http://schemas.microsoft.com/office/powerpoint/2010/main" val="2934406708"/>
+      </p:ext>
+    </p:extLst>
+  </p:cSld>
+  <p:clrMapOvr>
+    <a:masterClrMapping/>
+  </p:clrMapOvr>
+</p:notes>
+</file>
+
+<file path=ppt/notesSlides/notesSlide9.xml><?xml version="1.0" encoding="utf-8"?>
+<p:notes xmlns:a="http://schemas.openxmlformats.org/drawingml/2006/main" xmlns:r="http://schemas.openxmlformats.org/officeDocument/2006/relationships" xmlns:p="http://schemas.openxmlformats.org/presentationml/2006/main">
+  <p:cSld>
+    <p:spTree>
+      <p:nvGrpSpPr>
+        <p:cNvPr id="1" name=""/>
+        <p:cNvGrpSpPr/>
+        <p:nvPr/>
+      </p:nvGrpSpPr>
+      <p:grpSpPr>
+        <a:xfrm>
+          <a:off x="0" y="0"/>
+          <a:ext cx="0" cy="0"/>
+          <a:chOff x="0" y="0"/>
+          <a:chExt cx="0" cy="0"/>
+        </a:xfrm>
+      </p:grpSpPr>
+      <p:sp>
+        <p:nvSpPr>
+          <p:cNvPr id="2" name="スライド イメージ プレースホルダー 1"/>
+          <p:cNvSpPr>
+            <a:spLocks noGrp="1" noRot="1" noChangeAspect="1"/>
+          </p:cNvSpPr>
+          <p:nvPr>
+            <p:ph type="sldImg"/>
+          </p:nvPr>
+        </p:nvSpPr>
+        <p:spPr/>
+      </p:sp>
+      <p:sp>
+        <p:nvSpPr>
+          <p:cNvPr id="3" name="ノート プレースホルダー 2"/>
+          <p:cNvSpPr>
+            <a:spLocks noGrp="1"/>
+          </p:cNvSpPr>
+          <p:nvPr>
+            <p:ph type="body" idx="1"/>
+          </p:nvPr>
+        </p:nvSpPr>
+        <p:spPr/>
+        <p:txBody>
+          <a:bodyPr/>
+          <a:lstStyle/>
+          <a:p>
+            <a:r>
+              <a:rPr kumimoji="1" lang="en-US" altLang="ja-JP" dirty="0" err="1"/>
+              <a:t>deddorokukennshoutoha</a:t>
+            </a:r>
+            <a:endParaRPr kumimoji="1" lang="en-US" altLang="ja-JP" dirty="0"/>
+          </a:p>
+          <a:p>
+            <a:r>
+              <a:rPr kumimoji="1" lang="ja-JP" altLang="en-US"/>
+              <a:t>網羅探索，</a:t>
+            </a:r>
+            <a:endParaRPr kumimoji="1" lang="en-US" altLang="ja-JP" dirty="0"/>
+          </a:p>
+          <a:p>
+            <a:endParaRPr kumimoji="1" lang="ja-JP" altLang="en-US"/>
+          </a:p>
+        </p:txBody>
+      </p:sp>
+      <p:sp>
+        <p:nvSpPr>
+          <p:cNvPr id="4" name="スライド番号プレースホルダー 3"/>
+          <p:cNvSpPr>
+            <a:spLocks noGrp="1"/>
+          </p:cNvSpPr>
+          <p:nvPr>
+            <p:ph type="sldNum" sz="quarter" idx="5"/>
+          </p:nvPr>
+        </p:nvSpPr>
+        <p:spPr/>
+        <p:txBody>
+          <a:bodyPr/>
+          <a:lstStyle/>
+          <a:p>
+            <a:fld id="{11F85072-4CE5-B642-BEDE-DD2D511F1D93}" type="slidenum">
+              <a:rPr kumimoji="1" lang="ja-JP" altLang="en-US" smtClean="0"/>
+              <a:t>10</a:t>
+            </a:fld>
+            <a:endParaRPr kumimoji="1" lang="ja-JP" altLang="en-US"/>
+          </a:p>
+        </p:txBody>
+      </p:sp>
+    </p:spTree>
+    <p:extLst>
+      <p:ext uri="{BB962C8B-B14F-4D97-AF65-F5344CB8AC3E}">
+        <p14:creationId xmlns:p14="http://schemas.microsoft.com/office/powerpoint/2010/main" val="417444460"/>
+      </p:ext>
+    </p:extLst>
+  </p:cSld>
+  <p:clrMapOvr>
+    <a:masterClrMapping/>
+  </p:clrMapOvr>
+</p:notes>
+</file>
+
 <file path=ppt/slideLayouts/slideLayout1.xml><?xml version="1.0" encoding="utf-8"?>
 <p:sldLayout xmlns:a="http://schemas.openxmlformats.org/drawingml/2006/main" xmlns:r="http://schemas.openxmlformats.org/officeDocument/2006/relationships" xmlns:p="http://schemas.openxmlformats.org/presentationml/2006/main" type="title" preserve="1">
   <p:cSld name="タイトル スライド">
@@ -261,7 +2062,7 @@
             <a:fld id="{3E09EC11-27C0-8842-AC1B-2EBBF3D86C37}" type="datetimeFigureOut">
               <a:rPr lang="ja-JP" altLang="en-US" smtClean="0"/>
               <a:pPr/>
-              <a:t>2019/2/13</a:t>
+              <a:t>2019/2/14</a:t>
             </a:fld>
             <a:endParaRPr lang="ja-JP" altLang="en-US"/>
           </a:p>
@@ -457,7 +2258,7 @@
             <a:fld id="{3E09EC11-27C0-8842-AC1B-2EBBF3D86C37}" type="datetimeFigureOut">
               <a:rPr lang="ja-JP" altLang="en-US" smtClean="0"/>
               <a:pPr/>
-              <a:t>2019/2/13</a:t>
+              <a:t>2019/2/14</a:t>
             </a:fld>
             <a:endParaRPr lang="ja-JP" altLang="en-US"/>
           </a:p>
@@ -663,7 +2464,7 @@
             <a:fld id="{3E09EC11-27C0-8842-AC1B-2EBBF3D86C37}" type="datetimeFigureOut">
               <a:rPr lang="ja-JP" altLang="en-US" smtClean="0"/>
               <a:pPr/>
-              <a:t>2019/2/13</a:t>
+              <a:t>2019/2/14</a:t>
             </a:fld>
             <a:endParaRPr lang="ja-JP" altLang="en-US"/>
           </a:p>
@@ -862,7 +2663,7 @@
             <a:fld id="{3E09EC11-27C0-8842-AC1B-2EBBF3D86C37}" type="datetimeFigureOut">
               <a:rPr lang="ja-JP" altLang="en-US" smtClean="0"/>
               <a:pPr/>
-              <a:t>2019/2/13</a:t>
+              <a:t>2019/2/14</a:t>
             </a:fld>
             <a:endParaRPr lang="ja-JP" altLang="en-US"/>
           </a:p>
@@ -1159,7 +2960,7 @@
             <a:fld id="{3E09EC11-27C0-8842-AC1B-2EBBF3D86C37}" type="datetimeFigureOut">
               <a:rPr lang="ja-JP" altLang="en-US" smtClean="0"/>
               <a:pPr/>
-              <a:t>2019/2/13</a:t>
+              <a:t>2019/2/14</a:t>
             </a:fld>
             <a:endParaRPr lang="ja-JP" altLang="en-US"/>
           </a:p>
@@ -1429,7 +3230,7 @@
             <a:fld id="{3E09EC11-27C0-8842-AC1B-2EBBF3D86C37}" type="datetimeFigureOut">
               <a:rPr lang="ja-JP" altLang="en-US" smtClean="0"/>
               <a:pPr/>
-              <a:t>2019/2/13</a:t>
+              <a:t>2019/2/14</a:t>
             </a:fld>
             <a:endParaRPr lang="ja-JP" altLang="en-US"/>
           </a:p>
@@ -1917,7 +3718,7 @@
             <a:fld id="{3E09EC11-27C0-8842-AC1B-2EBBF3D86C37}" type="datetimeFigureOut">
               <a:rPr lang="ja-JP" altLang="en-US" smtClean="0"/>
               <a:pPr/>
-              <a:t>2019/2/13</a:t>
+              <a:t>2019/2/14</a:t>
             </a:fld>
             <a:endParaRPr lang="ja-JP" altLang="en-US"/>
           </a:p>
@@ -2049,7 +3850,7 @@
             <a:fld id="{3E09EC11-27C0-8842-AC1B-2EBBF3D86C37}" type="datetimeFigureOut">
               <a:rPr lang="ja-JP" altLang="en-US" smtClean="0"/>
               <a:pPr/>
-              <a:t>2019/2/13</a:t>
+              <a:t>2019/2/14</a:t>
             </a:fld>
             <a:endParaRPr lang="ja-JP" altLang="en-US"/>
           </a:p>
@@ -2158,7 +3959,7 @@
             <a:fld id="{3E09EC11-27C0-8842-AC1B-2EBBF3D86C37}" type="datetimeFigureOut">
               <a:rPr lang="ja-JP" altLang="en-US" smtClean="0"/>
               <a:pPr/>
-              <a:t>2019/2/13</a:t>
+              <a:t>2019/2/14</a:t>
             </a:fld>
             <a:endParaRPr lang="ja-JP" altLang="en-US"/>
           </a:p>
@@ -2497,7 +4298,7 @@
             <a:fld id="{3E09EC11-27C0-8842-AC1B-2EBBF3D86C37}" type="datetimeFigureOut">
               <a:rPr lang="ja-JP" altLang="en-US" smtClean="0"/>
               <a:pPr/>
-              <a:t>2019/2/13</a:t>
+              <a:t>2019/2/14</a:t>
             </a:fld>
             <a:endParaRPr lang="ja-JP" altLang="en-US"/>
           </a:p>
@@ -2808,7 +4609,7 @@
             <a:fld id="{3E09EC11-27C0-8842-AC1B-2EBBF3D86C37}" type="datetimeFigureOut">
               <a:rPr lang="ja-JP" altLang="en-US" smtClean="0"/>
               <a:pPr/>
-              <a:t>2019/2/13</a:t>
+              <a:t>2019/2/14</a:t>
             </a:fld>
             <a:endParaRPr lang="ja-JP" altLang="en-US"/>
           </a:p>
@@ -3040,7 +4841,7 @@
             <a:fld id="{3E09EC11-27C0-8842-AC1B-2EBBF3D86C37}" type="datetimeFigureOut">
               <a:rPr lang="ja-JP" altLang="en-US" smtClean="0"/>
               <a:pPr/>
-              <a:t>2019/2/13</a:t>
+              <a:t>2019/2/14</a:t>
             </a:fld>
             <a:endParaRPr lang="ja-JP" altLang="en-US"/>
           </a:p>
@@ -3514,14 +5315,14 @@
         <p:spPr/>
         <p:txBody>
           <a:bodyPr>
-            <a:normAutofit fontScale="92500" lnSpcReduction="10000"/>
+            <a:normAutofit/>
           </a:bodyPr>
           <a:lstStyle/>
           <a:p>
             <a:pPr algn="r"/>
             <a:r>
-              <a:rPr kumimoji="1" lang="ja-JP" altLang="en-US"/>
-              <a:t>情報システム工学講座</a:t>
+              <a:rPr lang="ja-JP" altLang="en-US"/>
+              <a:t>電子・情報工学科</a:t>
             </a:r>
             <a:endParaRPr lang="en-US" altLang="ja-JP" dirty="0"/>
           </a:p>
@@ -3532,13 +5333,6 @@
               <a:t>中村研究室</a:t>
             </a:r>
             <a:endParaRPr kumimoji="1" lang="en-US" altLang="ja-JP" dirty="0"/>
-          </a:p>
-          <a:p>
-            <a:pPr algn="r"/>
-            <a:r>
-              <a:rPr lang="en-US" altLang="ja-JP" dirty="0"/>
-              <a:t>1515024</a:t>
-            </a:r>
           </a:p>
           <a:p>
             <a:pPr algn="r"/>
@@ -3585,6 +5379,92 @@
           <p:cNvPr id="2" name="タイトル 1">
             <a:extLst>
               <a:ext uri="{FF2B5EF4-FFF2-40B4-BE49-F238E27FC236}">
+                <a16:creationId xmlns:a16="http://schemas.microsoft.com/office/drawing/2014/main" id="{AD08E1CD-D95D-6F4D-9C9A-B6E925C68110}"/>
+              </a:ext>
+            </a:extLst>
+          </p:cNvPr>
+          <p:cNvSpPr>
+            <a:spLocks noGrp="1"/>
+          </p:cNvSpPr>
+          <p:nvPr>
+            <p:ph type="title"/>
+          </p:nvPr>
+        </p:nvSpPr>
+        <p:spPr/>
+        <p:txBody>
+          <a:bodyPr/>
+          <a:lstStyle/>
+          <a:p>
+            <a:r>
+              <a:rPr kumimoji="1" lang="ja-JP" altLang="en-US"/>
+              <a:t>検証（デッドロック）</a:t>
+            </a:r>
+          </a:p>
+        </p:txBody>
+      </p:sp>
+      <p:sp>
+        <p:nvSpPr>
+          <p:cNvPr id="3" name="コンテンツ プレースホルダー 2">
+            <a:extLst>
+              <a:ext uri="{FF2B5EF4-FFF2-40B4-BE49-F238E27FC236}">
+                <a16:creationId xmlns:a16="http://schemas.microsoft.com/office/drawing/2014/main" id="{2D652021-5152-5B48-87C7-E74771A2DDE9}"/>
+              </a:ext>
+            </a:extLst>
+          </p:cNvPr>
+          <p:cNvSpPr>
+            <a:spLocks noGrp="1"/>
+          </p:cNvSpPr>
+          <p:nvPr>
+            <p:ph idx="1"/>
+          </p:nvPr>
+        </p:nvSpPr>
+        <p:spPr/>
+        <p:txBody>
+          <a:bodyPr/>
+          <a:lstStyle/>
+          <a:p>
+            <a:r>
+              <a:rPr kumimoji="1" lang="ja-JP" altLang="en-US"/>
+              <a:t>デッドロック検証を行った</a:t>
+            </a:r>
+          </a:p>
+        </p:txBody>
+      </p:sp>
+    </p:spTree>
+    <p:extLst>
+      <p:ext uri="{BB962C8B-B14F-4D97-AF65-F5344CB8AC3E}">
+        <p14:creationId xmlns:p14="http://schemas.microsoft.com/office/powerpoint/2010/main" val="4120527565"/>
+      </p:ext>
+    </p:extLst>
+  </p:cSld>
+  <p:clrMapOvr>
+    <a:masterClrMapping/>
+  </p:clrMapOvr>
+</p:sld>
+</file>
+
+<file path=ppt/slides/slide11.xml><?xml version="1.0" encoding="utf-8"?>
+<p:sld xmlns:a="http://schemas.openxmlformats.org/drawingml/2006/main" xmlns:r="http://schemas.openxmlformats.org/officeDocument/2006/relationships" xmlns:p="http://schemas.openxmlformats.org/presentationml/2006/main">
+  <p:cSld>
+    <p:spTree>
+      <p:nvGrpSpPr>
+        <p:cNvPr id="1" name=""/>
+        <p:cNvGrpSpPr/>
+        <p:nvPr/>
+      </p:nvGrpSpPr>
+      <p:grpSpPr>
+        <a:xfrm>
+          <a:off x="0" y="0"/>
+          <a:ext cx="0" cy="0"/>
+          <a:chOff x="0" y="0"/>
+          <a:chExt cx="0" cy="0"/>
+        </a:xfrm>
+      </p:grpSpPr>
+      <p:sp>
+        <p:nvSpPr>
+          <p:cNvPr id="2" name="タイトル 1">
+            <a:extLst>
+              <a:ext uri="{FF2B5EF4-FFF2-40B4-BE49-F238E27FC236}">
                 <a16:creationId xmlns:a16="http://schemas.microsoft.com/office/drawing/2014/main" id="{32DC9A5E-B4F2-A54F-96EA-A5DDD2DD15AC}"/>
               </a:ext>
             </a:extLst>
@@ -3608,31 +5488,65 @@
           </a:p>
         </p:txBody>
       </p:sp>
-      <p:sp>
-        <p:nvSpPr>
-          <p:cNvPr id="3" name="コンテンツ プレースホルダー 2">
+      <p:pic>
+        <p:nvPicPr>
+          <p:cNvPr id="5" name="コンテンツ プレースホルダー 4">
             <a:extLst>
               <a:ext uri="{FF2B5EF4-FFF2-40B4-BE49-F238E27FC236}">
-                <a16:creationId xmlns:a16="http://schemas.microsoft.com/office/drawing/2014/main" id="{41ACCB7A-F3C2-F34D-BFCF-541550AC2C29}"/>
+                <a16:creationId xmlns:a16="http://schemas.microsoft.com/office/drawing/2014/main" id="{7C1E6C19-1044-3641-B7F4-5483B9B3FB24}"/>
               </a:ext>
             </a:extLst>
           </p:cNvPr>
-          <p:cNvSpPr>
-            <a:spLocks noGrp="1"/>
-          </p:cNvSpPr>
+          <p:cNvPicPr>
+            <a:picLocks noGrp="1" noChangeAspect="1"/>
+          </p:cNvPicPr>
           <p:nvPr>
             <p:ph idx="1"/>
           </p:nvPr>
-        </p:nvSpPr>
-        <p:spPr/>
-        <p:txBody>
-          <a:bodyPr/>
-          <a:lstStyle/>
-          <a:p>
-            <a:endParaRPr kumimoji="1" lang="ja-JP" altLang="en-US"/>
-          </a:p>
-        </p:txBody>
-      </p:sp>
+        </p:nvPicPr>
+        <p:blipFill>
+          <a:blip r:embed="rId3"/>
+          <a:stretch>
+            <a:fillRect/>
+          </a:stretch>
+        </p:blipFill>
+        <p:spPr>
+          <a:xfrm>
+            <a:off x="215326" y="1436913"/>
+            <a:ext cx="5463981" cy="3799523"/>
+          </a:xfrm>
+        </p:spPr>
+      </p:pic>
+      <p:pic>
+        <p:nvPicPr>
+          <p:cNvPr id="7" name="図 6">
+            <a:extLst>
+              <a:ext uri="{FF2B5EF4-FFF2-40B4-BE49-F238E27FC236}">
+                <a16:creationId xmlns:a16="http://schemas.microsoft.com/office/drawing/2014/main" id="{45D112F5-1DB2-AF46-8DB8-78F6FD28FED4}"/>
+              </a:ext>
+            </a:extLst>
+          </p:cNvPr>
+          <p:cNvPicPr>
+            <a:picLocks noChangeAspect="1"/>
+          </p:cNvPicPr>
+          <p:nvPr/>
+        </p:nvPicPr>
+        <p:blipFill>
+          <a:blip r:embed="rId4"/>
+          <a:stretch>
+            <a:fillRect/>
+          </a:stretch>
+        </p:blipFill>
+        <p:spPr>
+          <a:xfrm>
+            <a:off x="3936275" y="3091543"/>
+            <a:ext cx="4760361" cy="3466388"/>
+          </a:xfrm>
+          <a:prstGeom prst="rect">
+            <a:avLst/>
+          </a:prstGeom>
+        </p:spPr>
+      </p:pic>
     </p:spTree>
     <p:extLst>
       <p:ext uri="{BB962C8B-B14F-4D97-AF65-F5344CB8AC3E}">
@@ -3646,7 +5560,7 @@
 </p:sld>
 </file>
 
-<file path=ppt/slides/slide11.xml><?xml version="1.0" encoding="utf-8"?>
+<file path=ppt/slides/slide12.xml><?xml version="1.0" encoding="utf-8"?>
 <p:sld xmlns:a="http://schemas.openxmlformats.org/drawingml/2006/main" xmlns:r="http://schemas.openxmlformats.org/officeDocument/2006/relationships" xmlns:p="http://schemas.openxmlformats.org/presentationml/2006/main">
   <p:cSld>
     <p:spTree>
@@ -3857,7 +5771,12 @@
             <p:ph idx="1"/>
           </p:nvPr>
         </p:nvSpPr>
-        <p:spPr/>
+        <p:spPr>
+          <a:xfrm>
+            <a:off x="628650" y="1825625"/>
+            <a:ext cx="7886700" cy="516981"/>
+          </a:xfrm>
+        </p:spPr>
         <p:txBody>
           <a:bodyPr/>
           <a:lstStyle/>
@@ -3883,7 +5802,7 @@
             </a:r>
             <a:r>
               <a:rPr kumimoji="1" lang="ja-JP" altLang="en-US"/>
-              <a:t>車一台が周囲物に対して</a:t>
+              <a:t>車一台に対して</a:t>
             </a:r>
             <a:endParaRPr kumimoji="1" lang="en-US" altLang="ja-JP" dirty="0"/>
           </a:p>
@@ -3891,27 +5810,56 @@
             <a:pPr marL="0" indent="0">
               <a:buNone/>
             </a:pPr>
-            <a:endParaRPr lang="en-US" altLang="ja-JP" dirty="0"/>
-          </a:p>
-          <a:p>
-            <a:pPr marL="0" indent="0">
-              <a:buNone/>
-            </a:pPr>
+            <a:endParaRPr kumimoji="1" lang="en-US" altLang="ja-JP" dirty="0"/>
+          </a:p>
+        </p:txBody>
+      </p:sp>
+      <p:sp>
+        <p:nvSpPr>
+          <p:cNvPr id="4" name="正方形/長方形 3">
+            <a:extLst>
+              <a:ext uri="{FF2B5EF4-FFF2-40B4-BE49-F238E27FC236}">
+                <a16:creationId xmlns:a16="http://schemas.microsoft.com/office/drawing/2014/main" id="{4B30D450-CCCE-1D4C-95BB-020F775BCF7F}"/>
+              </a:ext>
+            </a:extLst>
+          </p:cNvPr>
+          <p:cNvSpPr/>
+          <p:nvPr/>
+        </p:nvSpPr>
+        <p:spPr>
+          <a:xfrm>
+            <a:off x="2151017" y="2926080"/>
+            <a:ext cx="4441372" cy="3004457"/>
+          </a:xfrm>
+          <a:prstGeom prst="rect">
+            <a:avLst/>
+          </a:prstGeom>
+        </p:spPr>
+        <p:style>
+          <a:lnRef idx="2">
+            <a:schemeClr val="accent1">
+              <a:shade val="50000"/>
+            </a:schemeClr>
+          </a:lnRef>
+          <a:fillRef idx="1">
+            <a:schemeClr val="accent1"/>
+          </a:fillRef>
+          <a:effectRef idx="0">
+            <a:schemeClr val="accent1"/>
+          </a:effectRef>
+          <a:fontRef idx="minor">
+            <a:schemeClr val="lt1"/>
+          </a:fontRef>
+        </p:style>
+        <p:txBody>
+          <a:bodyPr rtlCol="0" anchor="ctr"/>
+          <a:lstStyle/>
+          <a:p>
+            <a:pPr algn="ctr"/>
             <a:r>
               <a:rPr kumimoji="1" lang="ja-JP" altLang="en-US"/>
-              <a:t>自動運転車のみで構成された都市空間でそれだけで本当に安全？</a:t>
-            </a:r>
-            <a:endParaRPr kumimoji="1" lang="en-US" altLang="ja-JP" dirty="0"/>
-          </a:p>
-          <a:p>
-            <a:pPr marL="0" indent="0">
-              <a:buNone/>
-            </a:pPr>
-            <a:r>
-              <a:rPr lang="ja-JP" altLang="en-US"/>
-              <a:t>車全体に対する群制御アルゴリズムが必要なのでは？</a:t>
-            </a:r>
-            <a:endParaRPr kumimoji="1" lang="ja-JP" altLang="en-US"/>
+              <a:t>高密度な都市空間イメージ図</a:t>
+            </a:r>
           </a:p>
         </p:txBody>
       </p:sp>
@@ -3950,7 +5898,7 @@
           <p:cNvPr id="2" name="タイトル 1">
             <a:extLst>
               <a:ext uri="{FF2B5EF4-FFF2-40B4-BE49-F238E27FC236}">
-                <a16:creationId xmlns:a16="http://schemas.microsoft.com/office/drawing/2014/main" id="{FFBB8379-A784-5946-99FF-5A6B1D9ED651}"/>
+                <a16:creationId xmlns:a16="http://schemas.microsoft.com/office/drawing/2014/main" id="{6499FAA6-C584-F948-8AED-5F7FC64462A2}"/>
               </a:ext>
             </a:extLst>
           </p:cNvPr>
@@ -3961,77 +5909,113 @@
             <p:ph type="title"/>
           </p:nvPr>
         </p:nvSpPr>
-        <p:spPr/>
-        <p:txBody>
-          <a:bodyPr/>
+        <p:spPr>
+          <a:xfrm>
+            <a:off x="628650" y="365126"/>
+            <a:ext cx="7886700" cy="627925"/>
+          </a:xfrm>
+        </p:spPr>
+        <p:txBody>
+          <a:bodyPr>
+            <a:noAutofit/>
+          </a:bodyPr>
           <a:lstStyle/>
           <a:p>
             <a:r>
               <a:rPr kumimoji="1" lang="ja-JP" altLang="en-US"/>
-              <a:t>目的</a:t>
-            </a:r>
-          </a:p>
-        </p:txBody>
-      </p:sp>
-      <p:sp>
-        <p:nvSpPr>
-          <p:cNvPr id="3" name="コンテンツ プレースホルダー 2">
+              <a:t>自動運転技術</a:t>
+            </a:r>
+          </a:p>
+        </p:txBody>
+      </p:sp>
+      <p:pic>
+        <p:nvPicPr>
+          <p:cNvPr id="5" name="コンテンツ プレースホルダー 4">
             <a:extLst>
               <a:ext uri="{FF2B5EF4-FFF2-40B4-BE49-F238E27FC236}">
-                <a16:creationId xmlns:a16="http://schemas.microsoft.com/office/drawing/2014/main" id="{BA9FF540-4584-1B42-A746-24611B82BD82}"/>
-              </a:ext>
-            </a:extLst>
-          </p:cNvPr>
-          <p:cNvSpPr>
-            <a:spLocks noGrp="1"/>
-          </p:cNvSpPr>
-          <p:nvPr>
-            <p:ph idx="1"/>
-          </p:nvPr>
-        </p:nvSpPr>
-        <p:spPr/>
-        <p:txBody>
-          <a:bodyPr/>
-          <a:lstStyle/>
-          <a:p>
-            <a:endParaRPr kumimoji="1" lang="ja-JP" altLang="en-US"/>
-          </a:p>
-        </p:txBody>
-      </p:sp>
-      <p:pic>
-        <p:nvPicPr>
-          <p:cNvPr id="4" name="コンテンツ プレースホルダー 4">
-            <a:extLst>
-              <a:ext uri="{FF2B5EF4-FFF2-40B4-BE49-F238E27FC236}">
-                <a16:creationId xmlns:a16="http://schemas.microsoft.com/office/drawing/2014/main" id="{5782C3FD-48E2-1C41-A541-707C1F483889}"/>
+                <a16:creationId xmlns:a16="http://schemas.microsoft.com/office/drawing/2014/main" id="{6154EBBA-09FC-C04F-81E6-34F901F8E09D}"/>
               </a:ext>
             </a:extLst>
           </p:cNvPr>
           <p:cNvPicPr>
-            <a:picLocks noChangeAspect="1"/>
+            <a:picLocks noGrp="1" noChangeAspect="1"/>
           </p:cNvPicPr>
-          <p:nvPr/>
+          <p:nvPr>
+            <p:ph idx="1"/>
+          </p:nvPr>
         </p:nvPicPr>
         <p:blipFill>
-          <a:blip r:embed="rId2"/>
+          <a:blip r:embed="rId3"/>
           <a:stretch>
             <a:fillRect/>
           </a:stretch>
         </p:blipFill>
         <p:spPr>
           <a:xfrm>
-            <a:off x="526174" y="1430557"/>
-            <a:ext cx="6545305" cy="3259683"/>
+            <a:off x="416906" y="993051"/>
+            <a:ext cx="8310187" cy="4951366"/>
           </a:xfrm>
           <a:prstGeom prst="rect">
             <a:avLst/>
           </a:prstGeom>
         </p:spPr>
       </p:pic>
+      <p:sp>
+        <p:nvSpPr>
+          <p:cNvPr id="6" name="テキスト ボックス 5">
+            <a:extLst>
+              <a:ext uri="{FF2B5EF4-FFF2-40B4-BE49-F238E27FC236}">
+                <a16:creationId xmlns:a16="http://schemas.microsoft.com/office/drawing/2014/main" id="{5B02B522-F295-4B4D-9364-F361A964351C}"/>
+              </a:ext>
+            </a:extLst>
+          </p:cNvPr>
+          <p:cNvSpPr txBox="1"/>
+          <p:nvPr/>
+        </p:nvSpPr>
+        <p:spPr>
+          <a:xfrm>
+            <a:off x="60960" y="6409509"/>
+            <a:ext cx="5251268" cy="369332"/>
+          </a:xfrm>
+          <a:prstGeom prst="rect">
+            <a:avLst/>
+          </a:prstGeom>
+          <a:noFill/>
+        </p:spPr>
+        <p:txBody>
+          <a:bodyPr wrap="square" rtlCol="0">
+            <a:spAutoFit/>
+          </a:bodyPr>
+          <a:lstStyle/>
+          <a:p>
+            <a:r>
+              <a:rPr lang="ja-JP" altLang="en-US"/>
+              <a:t>官民</a:t>
+            </a:r>
+            <a:r>
+              <a:rPr lang="en" altLang="ja-JP" dirty="0"/>
+              <a:t>ITS</a:t>
+            </a:r>
+            <a:r>
+              <a:rPr lang="ja-JP" altLang="en-US"/>
+              <a:t>構想・ロードマップ</a:t>
+            </a:r>
+            <a:r>
+              <a:rPr lang="en-US" altLang="ja-JP" dirty="0"/>
+              <a:t>2018</a:t>
+            </a:r>
+            <a:r>
+              <a:rPr lang="ja-JP" altLang="en-US"/>
+              <a:t>より</a:t>
+            </a:r>
+            <a:endParaRPr kumimoji="1" lang="ja-JP" altLang="en-US"/>
+          </a:p>
+        </p:txBody>
+      </p:sp>
     </p:spTree>
     <p:extLst>
       <p:ext uri="{BB962C8B-B14F-4D97-AF65-F5344CB8AC3E}">
-        <p14:creationId xmlns:p14="http://schemas.microsoft.com/office/powerpoint/2010/main" val="3501965787"/>
+        <p14:creationId xmlns:p14="http://schemas.microsoft.com/office/powerpoint/2010/main" val="871263036"/>
       </p:ext>
     </p:extLst>
   </p:cSld>
@@ -4063,7 +6047,7 @@
           <p:cNvPr id="2" name="タイトル 1">
             <a:extLst>
               <a:ext uri="{FF2B5EF4-FFF2-40B4-BE49-F238E27FC236}">
-                <a16:creationId xmlns:a16="http://schemas.microsoft.com/office/drawing/2014/main" id="{9F940435-6E27-2341-AD1C-953004473260}"/>
+                <a16:creationId xmlns:a16="http://schemas.microsoft.com/office/drawing/2014/main" id="{FFBB8379-A784-5946-99FF-5A6B1D9ED651}"/>
               </a:ext>
             </a:extLst>
           </p:cNvPr>
@@ -4081,44 +6065,85 @@
           <a:p>
             <a:r>
               <a:rPr kumimoji="1" lang="ja-JP" altLang="en-US"/>
-              <a:t>モデル検査</a:t>
+              <a:t>目的</a:t>
             </a:r>
           </a:p>
         </p:txBody>
       </p:sp>
       <p:pic>
         <p:nvPicPr>
-          <p:cNvPr id="8" name="コンテンツ プレースホルダー 7">
+          <p:cNvPr id="4" name="コンテンツ プレースホルダー 4">
             <a:extLst>
               <a:ext uri="{FF2B5EF4-FFF2-40B4-BE49-F238E27FC236}">
-                <a16:creationId xmlns:a16="http://schemas.microsoft.com/office/drawing/2014/main" id="{8ED468DF-E5BB-9047-BDB0-991853A97D0E}"/>
+                <a16:creationId xmlns:a16="http://schemas.microsoft.com/office/drawing/2014/main" id="{5782C3FD-48E2-1C41-A541-707C1F483889}"/>
               </a:ext>
             </a:extLst>
           </p:cNvPr>
           <p:cNvPicPr>
-            <a:picLocks noGrp="1" noChangeAspect="1"/>
+            <a:picLocks noChangeAspect="1"/>
           </p:cNvPicPr>
-          <p:nvPr>
-            <p:ph idx="1"/>
-          </p:nvPr>
+          <p:nvPr/>
         </p:nvPicPr>
         <p:blipFill>
-          <a:blip r:embed="rId2"/>
+          <a:blip r:embed="rId3"/>
           <a:stretch>
             <a:fillRect/>
           </a:stretch>
         </p:blipFill>
         <p:spPr>
           <a:xfrm>
-            <a:off x="921297" y="1882000"/>
-            <a:ext cx="7474826" cy="2984117"/>
+            <a:off x="1231568" y="2196912"/>
+            <a:ext cx="6545305" cy="3259683"/>
           </a:xfrm>
+          <a:prstGeom prst="rect">
+            <a:avLst/>
+          </a:prstGeom>
         </p:spPr>
       </p:pic>
+      <p:sp>
+        <p:nvSpPr>
+          <p:cNvPr id="5" name="テキスト ボックス 4">
+            <a:extLst>
+              <a:ext uri="{FF2B5EF4-FFF2-40B4-BE49-F238E27FC236}">
+                <a16:creationId xmlns:a16="http://schemas.microsoft.com/office/drawing/2014/main" id="{5A15E2AE-619E-DA45-904A-6DB872DDAA6C}"/>
+              </a:ext>
+            </a:extLst>
+          </p:cNvPr>
+          <p:cNvSpPr txBox="1"/>
+          <p:nvPr/>
+        </p:nvSpPr>
+        <p:spPr>
+          <a:xfrm>
+            <a:off x="191589" y="6357257"/>
+            <a:ext cx="5120640" cy="369332"/>
+          </a:xfrm>
+          <a:prstGeom prst="rect">
+            <a:avLst/>
+          </a:prstGeom>
+          <a:noFill/>
+        </p:spPr>
+        <p:txBody>
+          <a:bodyPr wrap="square" rtlCol="0">
+            <a:spAutoFit/>
+          </a:bodyPr>
+          <a:lstStyle/>
+          <a:p>
+            <a:r>
+              <a:rPr lang="en-US" altLang="ja-JP" dirty="0"/>
+              <a:t>UPPAAL</a:t>
+            </a:r>
+            <a:r>
+              <a:rPr lang="ja-JP" altLang="en-US"/>
+              <a:t>による性能モデル検証などを基に作成</a:t>
+            </a:r>
+            <a:endParaRPr kumimoji="1" lang="ja-JP" altLang="en-US"/>
+          </a:p>
+        </p:txBody>
+      </p:sp>
     </p:spTree>
     <p:extLst>
       <p:ext uri="{BB962C8B-B14F-4D97-AF65-F5344CB8AC3E}">
-        <p14:creationId xmlns:p14="http://schemas.microsoft.com/office/powerpoint/2010/main" val="380697639"/>
+        <p14:creationId xmlns:p14="http://schemas.microsoft.com/office/powerpoint/2010/main" val="3501965787"/>
       </p:ext>
     </p:extLst>
   </p:cSld>
@@ -4150,7 +6175,7 @@
           <p:cNvPr id="2" name="タイトル 1">
             <a:extLst>
               <a:ext uri="{FF2B5EF4-FFF2-40B4-BE49-F238E27FC236}">
-                <a16:creationId xmlns:a16="http://schemas.microsoft.com/office/drawing/2014/main" id="{5862480D-F8AA-7240-9920-1AE48955DA82}"/>
+                <a16:creationId xmlns:a16="http://schemas.microsoft.com/office/drawing/2014/main" id="{9F940435-6E27-2341-AD1C-953004473260}"/>
               </a:ext>
             </a:extLst>
           </p:cNvPr>
@@ -4168,22 +6193,17 @@
           <a:p>
             <a:r>
               <a:rPr kumimoji="1" lang="ja-JP" altLang="en-US"/>
-              <a:t>モデル検査ツール</a:t>
-            </a:r>
-            <a:r>
-              <a:rPr kumimoji="1" lang="en-US" altLang="ja-JP" dirty="0"/>
-              <a:t>UPPAAL</a:t>
-            </a:r>
-            <a:endParaRPr kumimoji="1" lang="ja-JP" altLang="en-US"/>
+              <a:t>モデル検査</a:t>
+            </a:r>
           </a:p>
         </p:txBody>
       </p:sp>
       <p:pic>
         <p:nvPicPr>
-          <p:cNvPr id="6" name="コンテンツ プレースホルダー 5">
+          <p:cNvPr id="8" name="コンテンツ プレースホルダー 7">
             <a:extLst>
               <a:ext uri="{FF2B5EF4-FFF2-40B4-BE49-F238E27FC236}">
-                <a16:creationId xmlns:a16="http://schemas.microsoft.com/office/drawing/2014/main" id="{17B0658B-C747-0949-9B03-A5253358F775}"/>
+                <a16:creationId xmlns:a16="http://schemas.microsoft.com/office/drawing/2014/main" id="{8ED468DF-E5BB-9047-BDB0-991853A97D0E}"/>
               </a:ext>
             </a:extLst>
           </p:cNvPr>
@@ -4195,22 +6215,62 @@
           </p:nvPr>
         </p:nvPicPr>
         <p:blipFill>
-          <a:blip r:embed="rId2"/>
+          <a:blip r:embed="rId3"/>
           <a:stretch>
             <a:fillRect/>
           </a:stretch>
         </p:blipFill>
         <p:spPr>
           <a:xfrm>
-            <a:off x="0" y="1690689"/>
-            <a:ext cx="5799670" cy="4683343"/>
+            <a:off x="834587" y="2482891"/>
+            <a:ext cx="7474826" cy="2984117"/>
           </a:xfrm>
         </p:spPr>
       </p:pic>
+      <p:sp>
+        <p:nvSpPr>
+          <p:cNvPr id="4" name="テキスト ボックス 3">
+            <a:extLst>
+              <a:ext uri="{FF2B5EF4-FFF2-40B4-BE49-F238E27FC236}">
+                <a16:creationId xmlns:a16="http://schemas.microsoft.com/office/drawing/2014/main" id="{B1B8C242-ED9E-F045-9B66-ABECC650B9C3}"/>
+              </a:ext>
+            </a:extLst>
+          </p:cNvPr>
+          <p:cNvSpPr txBox="1"/>
+          <p:nvPr/>
+        </p:nvSpPr>
+        <p:spPr>
+          <a:xfrm>
+            <a:off x="191589" y="6357257"/>
+            <a:ext cx="5120640" cy="369332"/>
+          </a:xfrm>
+          <a:prstGeom prst="rect">
+            <a:avLst/>
+          </a:prstGeom>
+          <a:noFill/>
+        </p:spPr>
+        <p:txBody>
+          <a:bodyPr wrap="square" rtlCol="0">
+            <a:spAutoFit/>
+          </a:bodyPr>
+          <a:lstStyle/>
+          <a:p>
+            <a:r>
+              <a:rPr lang="en-US" altLang="ja-JP" dirty="0"/>
+              <a:t>UPPAAL</a:t>
+            </a:r>
+            <a:r>
+              <a:rPr lang="ja-JP" altLang="en-US"/>
+              <a:t>による性能モデル検証などを基に作成</a:t>
+            </a:r>
+            <a:endParaRPr kumimoji="1" lang="ja-JP" altLang="en-US"/>
+          </a:p>
+        </p:txBody>
+      </p:sp>
     </p:spTree>
     <p:extLst>
       <p:ext uri="{BB962C8B-B14F-4D97-AF65-F5344CB8AC3E}">
-        <p14:creationId xmlns:p14="http://schemas.microsoft.com/office/powerpoint/2010/main" val="166115312"/>
+        <p14:creationId xmlns:p14="http://schemas.microsoft.com/office/powerpoint/2010/main" val="380697639"/>
       </p:ext>
     </p:extLst>
   </p:cSld>
@@ -4242,7 +6302,7 @@
           <p:cNvPr id="2" name="タイトル 1">
             <a:extLst>
               <a:ext uri="{FF2B5EF4-FFF2-40B4-BE49-F238E27FC236}">
-                <a16:creationId xmlns:a16="http://schemas.microsoft.com/office/drawing/2014/main" id="{8A373D1B-E129-2542-B68B-D1BD8B9E33B4}"/>
+                <a16:creationId xmlns:a16="http://schemas.microsoft.com/office/drawing/2014/main" id="{5862480D-F8AA-7240-9920-1AE48955DA82}"/>
               </a:ext>
             </a:extLst>
           </p:cNvPr>
@@ -4260,17 +6320,22 @@
           <a:p>
             <a:r>
               <a:rPr kumimoji="1" lang="ja-JP" altLang="en-US"/>
-              <a:t>進行方向を固定した交差点（テンプレート）</a:t>
-            </a:r>
-          </a:p>
-        </p:txBody>
-      </p:sp>
-      <p:sp>
-        <p:nvSpPr>
-          <p:cNvPr id="3" name="コンテンツ プレースホルダー 2">
+              <a:t>モデル検査ツール</a:t>
+            </a:r>
+            <a:r>
+              <a:rPr kumimoji="1" lang="en-US" altLang="ja-JP" dirty="0"/>
+              <a:t>UPPAAL</a:t>
+            </a:r>
+            <a:endParaRPr kumimoji="1" lang="ja-JP" altLang="en-US"/>
+          </a:p>
+        </p:txBody>
+      </p:sp>
+      <p:sp>
+        <p:nvSpPr>
+          <p:cNvPr id="4" name="コンテンツ プレースホルダー 3">
             <a:extLst>
               <a:ext uri="{FF2B5EF4-FFF2-40B4-BE49-F238E27FC236}">
-                <a16:creationId xmlns:a16="http://schemas.microsoft.com/office/drawing/2014/main" id="{09B942B5-F6F5-6548-B656-68DE0FBACB27}"/>
+                <a16:creationId xmlns:a16="http://schemas.microsoft.com/office/drawing/2014/main" id="{0FFBC24B-3E35-5247-8909-39CB8A358A6A}"/>
               </a:ext>
             </a:extLst>
           </p:cNvPr>
@@ -4286,14 +6351,55 @@
           <a:bodyPr/>
           <a:lstStyle/>
           <a:p>
-            <a:endParaRPr kumimoji="1" lang="ja-JP" altLang="en-US"/>
+            <a:r>
+              <a:rPr lang="ja-JP" altLang="en-US"/>
+              <a:t>時間制約問題を扱える</a:t>
+            </a:r>
+            <a:endParaRPr lang="en-US" altLang="ja-JP" dirty="0"/>
+          </a:p>
+          <a:p>
+            <a:r>
+              <a:rPr lang="ja-JP" altLang="en-US"/>
+              <a:t>入力が</a:t>
+            </a:r>
+            <a:r>
+              <a:rPr lang="en-US" altLang="ja-JP" dirty="0"/>
+              <a:t>GUI</a:t>
+            </a:r>
+            <a:r>
+              <a:rPr lang="ja-JP" altLang="en-US"/>
+              <a:t>ベースのため，直感的に把握できる</a:t>
+            </a:r>
+            <a:endParaRPr lang="en-US" altLang="ja-JP" dirty="0"/>
+          </a:p>
+          <a:p>
+            <a:r>
+              <a:rPr lang="ja-JP" altLang="en-US"/>
+              <a:t>検証と</a:t>
+            </a:r>
+            <a:r>
+              <a:rPr lang="en-US" altLang="ja-JP" dirty="0"/>
+              <a:t>GUI</a:t>
+            </a:r>
+            <a:r>
+              <a:rPr lang="ja-JP" altLang="en-US"/>
+              <a:t>による反例トレース</a:t>
+            </a:r>
+            <a:endParaRPr lang="en-US" altLang="ja-JP" dirty="0"/>
+          </a:p>
+          <a:p>
+            <a:r>
+              <a:rPr lang="ja-JP" altLang="en-US"/>
+              <a:t>最短時間で違反状態に到達する反例の出力</a:t>
+            </a:r>
+            <a:endParaRPr lang="en-US" altLang="ja-JP" dirty="0"/>
           </a:p>
         </p:txBody>
       </p:sp>
     </p:spTree>
     <p:extLst>
       <p:ext uri="{BB962C8B-B14F-4D97-AF65-F5344CB8AC3E}">
-        <p14:creationId xmlns:p14="http://schemas.microsoft.com/office/powerpoint/2010/main" val="1652722366"/>
+        <p14:creationId xmlns:p14="http://schemas.microsoft.com/office/powerpoint/2010/main" val="166115312"/>
       </p:ext>
     </p:extLst>
   </p:cSld>
@@ -4325,7 +6431,7 @@
           <p:cNvPr id="2" name="タイトル 1">
             <a:extLst>
               <a:ext uri="{FF2B5EF4-FFF2-40B4-BE49-F238E27FC236}">
-                <a16:creationId xmlns:a16="http://schemas.microsoft.com/office/drawing/2014/main" id="{F5071521-BD0C-9C4D-A495-D41B03AEA9F2}"/>
+                <a16:creationId xmlns:a16="http://schemas.microsoft.com/office/drawing/2014/main" id="{8A373D1B-E129-2542-B68B-D1BD8B9E33B4}"/>
               </a:ext>
             </a:extLst>
           </p:cNvPr>
@@ -4343,40 +6449,44 @@
           <a:p>
             <a:r>
               <a:rPr kumimoji="1" lang="ja-JP" altLang="en-US"/>
-              <a:t>インスタンス（合成）</a:t>
-            </a:r>
-          </a:p>
-        </p:txBody>
-      </p:sp>
-      <p:sp>
-        <p:nvSpPr>
-          <p:cNvPr id="3" name="コンテンツ プレースホルダー 2">
+              <a:t>進行方向を固定した交差点（テンプレート）</a:t>
+            </a:r>
+          </a:p>
+        </p:txBody>
+      </p:sp>
+      <p:pic>
+        <p:nvPicPr>
+          <p:cNvPr id="5" name="コンテンツ プレースホルダー 4">
             <a:extLst>
               <a:ext uri="{FF2B5EF4-FFF2-40B4-BE49-F238E27FC236}">
-                <a16:creationId xmlns:a16="http://schemas.microsoft.com/office/drawing/2014/main" id="{65069F21-FB73-4747-B063-28BE0AE3D295}"/>
+                <a16:creationId xmlns:a16="http://schemas.microsoft.com/office/drawing/2014/main" id="{7C3A4C57-B361-624B-AC94-AB35D87C4338}"/>
               </a:ext>
             </a:extLst>
           </p:cNvPr>
-          <p:cNvSpPr>
-            <a:spLocks noGrp="1"/>
-          </p:cNvSpPr>
+          <p:cNvPicPr>
+            <a:picLocks noGrp="1" noChangeAspect="1"/>
+          </p:cNvPicPr>
           <p:nvPr>
             <p:ph idx="1"/>
           </p:nvPr>
-        </p:nvSpPr>
-        <p:spPr/>
-        <p:txBody>
-          <a:bodyPr/>
-          <a:lstStyle/>
-          <a:p>
-            <a:endParaRPr kumimoji="1" lang="ja-JP" altLang="en-US"/>
-          </a:p>
-        </p:txBody>
-      </p:sp>
+        </p:nvPicPr>
+        <p:blipFill>
+          <a:blip r:embed="rId3"/>
+          <a:stretch>
+            <a:fillRect/>
+          </a:stretch>
+        </p:blipFill>
+        <p:spPr>
+          <a:xfrm>
+            <a:off x="1306851" y="1825625"/>
+            <a:ext cx="6530298" cy="4351338"/>
+          </a:xfrm>
+        </p:spPr>
+      </p:pic>
     </p:spTree>
     <p:extLst>
       <p:ext uri="{BB962C8B-B14F-4D97-AF65-F5344CB8AC3E}">
-        <p14:creationId xmlns:p14="http://schemas.microsoft.com/office/powerpoint/2010/main" val="220698910"/>
+        <p14:creationId xmlns:p14="http://schemas.microsoft.com/office/powerpoint/2010/main" val="1652722366"/>
       </p:ext>
     </p:extLst>
   </p:cSld>
@@ -4408,7 +6518,7 @@
           <p:cNvPr id="2" name="タイトル 1">
             <a:extLst>
               <a:ext uri="{FF2B5EF4-FFF2-40B4-BE49-F238E27FC236}">
-                <a16:creationId xmlns:a16="http://schemas.microsoft.com/office/drawing/2014/main" id="{5CD6B903-3FB1-F348-A1E8-CECFD5CECD91}"/>
+                <a16:creationId xmlns:a16="http://schemas.microsoft.com/office/drawing/2014/main" id="{F5071521-BD0C-9C4D-A495-D41B03AEA9F2}"/>
               </a:ext>
             </a:extLst>
           </p:cNvPr>
@@ -4426,40 +6536,45 @@
           <a:p>
             <a:r>
               <a:rPr kumimoji="1" lang="ja-JP" altLang="en-US"/>
-              <a:t>シミュレーション</a:t>
-            </a:r>
-          </a:p>
-        </p:txBody>
-      </p:sp>
-      <p:sp>
-        <p:nvSpPr>
-          <p:cNvPr id="3" name="コンテンツ プレースホルダー 2">
+              <a:t>インスタンス（合成）</a:t>
+            </a:r>
+          </a:p>
+        </p:txBody>
+      </p:sp>
+      <p:pic>
+        <p:nvPicPr>
+          <p:cNvPr id="7" name="図 6">
             <a:extLst>
               <a:ext uri="{FF2B5EF4-FFF2-40B4-BE49-F238E27FC236}">
-                <a16:creationId xmlns:a16="http://schemas.microsoft.com/office/drawing/2014/main" id="{FE962E1F-4B05-2A4E-90DF-4348D57D3227}"/>
+                <a16:creationId xmlns:a16="http://schemas.microsoft.com/office/drawing/2014/main" id="{ADF12B06-7D14-5543-BB2C-05A977EF0385}"/>
               </a:ext>
             </a:extLst>
           </p:cNvPr>
-          <p:cNvSpPr>
-            <a:spLocks noGrp="1"/>
-          </p:cNvSpPr>
-          <p:nvPr>
-            <p:ph idx="1"/>
-          </p:nvPr>
-        </p:nvSpPr>
-        <p:spPr/>
-        <p:txBody>
-          <a:bodyPr/>
-          <a:lstStyle/>
-          <a:p>
-            <a:endParaRPr kumimoji="1" lang="ja-JP" altLang="en-US"/>
-          </a:p>
-        </p:txBody>
-      </p:sp>
+          <p:cNvPicPr>
+            <a:picLocks noChangeAspect="1"/>
+          </p:cNvPicPr>
+          <p:nvPr/>
+        </p:nvPicPr>
+        <p:blipFill>
+          <a:blip r:embed="rId3"/>
+          <a:stretch>
+            <a:fillRect/>
+          </a:stretch>
+        </p:blipFill>
+        <p:spPr>
+          <a:xfrm>
+            <a:off x="714103" y="1690689"/>
+            <a:ext cx="8138704" cy="4087279"/>
+          </a:xfrm>
+          <a:prstGeom prst="rect">
+            <a:avLst/>
+          </a:prstGeom>
+        </p:spPr>
+      </p:pic>
     </p:spTree>
     <p:extLst>
       <p:ext uri="{BB962C8B-B14F-4D97-AF65-F5344CB8AC3E}">
-        <p14:creationId xmlns:p14="http://schemas.microsoft.com/office/powerpoint/2010/main" val="2999030388"/>
+        <p14:creationId xmlns:p14="http://schemas.microsoft.com/office/powerpoint/2010/main" val="220698910"/>
       </p:ext>
     </p:extLst>
   </p:cSld>
@@ -4491,7 +6606,7 @@
           <p:cNvPr id="2" name="タイトル 1">
             <a:extLst>
               <a:ext uri="{FF2B5EF4-FFF2-40B4-BE49-F238E27FC236}">
-                <a16:creationId xmlns:a16="http://schemas.microsoft.com/office/drawing/2014/main" id="{AD08E1CD-D95D-6F4D-9C9A-B6E925C68110}"/>
+                <a16:creationId xmlns:a16="http://schemas.microsoft.com/office/drawing/2014/main" id="{5CD6B903-3FB1-F348-A1E8-CECFD5CECD91}"/>
               </a:ext>
             </a:extLst>
           </p:cNvPr>
@@ -4509,40 +6624,45 @@
           <a:p>
             <a:r>
               <a:rPr kumimoji="1" lang="ja-JP" altLang="en-US"/>
-              <a:t>検証（デッドロック）</a:t>
-            </a:r>
-          </a:p>
-        </p:txBody>
-      </p:sp>
-      <p:sp>
-        <p:nvSpPr>
-          <p:cNvPr id="3" name="コンテンツ プレースホルダー 2">
+              <a:t>シミュレーション</a:t>
+            </a:r>
+          </a:p>
+        </p:txBody>
+      </p:sp>
+      <p:pic>
+        <p:nvPicPr>
+          <p:cNvPr id="4" name="コンテンツ プレースホルダー 4">
             <a:extLst>
               <a:ext uri="{FF2B5EF4-FFF2-40B4-BE49-F238E27FC236}">
-                <a16:creationId xmlns:a16="http://schemas.microsoft.com/office/drawing/2014/main" id="{2D652021-5152-5B48-87C7-E74771A2DDE9}"/>
+                <a16:creationId xmlns:a16="http://schemas.microsoft.com/office/drawing/2014/main" id="{052C9E0A-AEF5-0C49-B197-2AC4886AB1EF}"/>
               </a:ext>
             </a:extLst>
           </p:cNvPr>
-          <p:cNvSpPr>
-            <a:spLocks noGrp="1"/>
-          </p:cNvSpPr>
-          <p:nvPr>
-            <p:ph idx="1"/>
-          </p:nvPr>
-        </p:nvSpPr>
-        <p:spPr/>
-        <p:txBody>
-          <a:bodyPr/>
-          <a:lstStyle/>
-          <a:p>
-            <a:endParaRPr kumimoji="1" lang="ja-JP" altLang="en-US"/>
-          </a:p>
-        </p:txBody>
-      </p:sp>
+          <p:cNvPicPr>
+            <a:picLocks noChangeAspect="1"/>
+          </p:cNvPicPr>
+          <p:nvPr/>
+        </p:nvPicPr>
+        <p:blipFill>
+          <a:blip r:embed="rId3"/>
+          <a:stretch>
+            <a:fillRect/>
+          </a:stretch>
+        </p:blipFill>
+        <p:spPr>
+          <a:xfrm>
+            <a:off x="374995" y="2143534"/>
+            <a:ext cx="8394010" cy="4357835"/>
+          </a:xfrm>
+          <a:prstGeom prst="rect">
+            <a:avLst/>
+          </a:prstGeom>
+        </p:spPr>
+      </p:pic>
     </p:spTree>
     <p:extLst>
       <p:ext uri="{BB962C8B-B14F-4D97-AF65-F5344CB8AC3E}">
-        <p14:creationId xmlns:p14="http://schemas.microsoft.com/office/powerpoint/2010/main" val="4120527565"/>
+        <p14:creationId xmlns:p14="http://schemas.microsoft.com/office/powerpoint/2010/main" val="2999030388"/>
       </p:ext>
     </p:extLst>
   </p:cSld>
@@ -4811,4 +6931,299 @@
     </a:ext>
   </a:extLst>
 </a:theme>
+</file>
+
+<file path=ppt/theme/theme2.xml><?xml version="1.0" encoding="utf-8"?>
+<a:theme xmlns:a="http://schemas.openxmlformats.org/drawingml/2006/main" name="Office テーマ">
+  <a:themeElements>
+    <a:clrScheme name="Office">
+      <a:dk1>
+        <a:sysClr val="windowText" lastClr="000000"/>
+      </a:dk1>
+      <a:lt1>
+        <a:sysClr val="window" lastClr="FFFFFF"/>
+      </a:lt1>
+      <a:dk2>
+        <a:srgbClr val="44546A"/>
+      </a:dk2>
+      <a:lt2>
+        <a:srgbClr val="E7E6E6"/>
+      </a:lt2>
+      <a:accent1>
+        <a:srgbClr val="4472C4"/>
+      </a:accent1>
+      <a:accent2>
+        <a:srgbClr val="ED7D31"/>
+      </a:accent2>
+      <a:accent3>
+        <a:srgbClr val="A5A5A5"/>
+      </a:accent3>
+      <a:accent4>
+        <a:srgbClr val="FFC000"/>
+      </a:accent4>
+      <a:accent5>
+        <a:srgbClr val="5B9BD5"/>
+      </a:accent5>
+      <a:accent6>
+        <a:srgbClr val="70AD47"/>
+      </a:accent6>
+      <a:hlink>
+        <a:srgbClr val="0563C1"/>
+      </a:hlink>
+      <a:folHlink>
+        <a:srgbClr val="954F72"/>
+      </a:folHlink>
+    </a:clrScheme>
+    <a:fontScheme name="Office">
+      <a:majorFont>
+        <a:latin typeface="游ゴシック Light" panose="020F0302020204030204"/>
+        <a:ea typeface=""/>
+        <a:cs typeface=""/>
+        <a:font script="Jpan" typeface="游ゴシック Light"/>
+        <a:font script="Hang" typeface="맑은 고딕"/>
+        <a:font script="Hans" typeface="等线 Light"/>
+        <a:font script="Hant" typeface="新細明體"/>
+        <a:font script="Arab" typeface="Times New Roman"/>
+        <a:font script="Hebr" typeface="Times New Roman"/>
+        <a:font script="Thai" typeface="Angsana New"/>
+        <a:font script="Ethi" typeface="Nyala"/>
+        <a:font script="Beng" typeface="Vrinda"/>
+        <a:font script="Gujr" typeface="Shruti"/>
+        <a:font script="Khmr" typeface="MoolBoran"/>
+        <a:font script="Knda" typeface="Tunga"/>
+        <a:font script="Guru" typeface="Raavi"/>
+        <a:font script="Cans" typeface="Euphemia"/>
+        <a:font script="Cher" typeface="Plantagenet Cherokee"/>
+        <a:font script="Yiii" typeface="Microsoft Yi Baiti"/>
+        <a:font script="Tibt" typeface="Microsoft Himalaya"/>
+        <a:font script="Thaa" typeface="MV Boli"/>
+        <a:font script="Deva" typeface="Mangal"/>
+        <a:font script="Telu" typeface="Gautami"/>
+        <a:font script="Taml" typeface="Latha"/>
+        <a:font script="Syrc" typeface="Estrangelo Edessa"/>
+        <a:font script="Orya" typeface="Kalinga"/>
+        <a:font script="Mlym" typeface="Kartika"/>
+        <a:font script="Laoo" typeface="DokChampa"/>
+        <a:font script="Sinh" typeface="Iskoola Pota"/>
+        <a:font script="Mong" typeface="Mongolian Baiti"/>
+        <a:font script="Viet" typeface="Times New Roman"/>
+        <a:font script="Uigh" typeface="Microsoft Uighur"/>
+        <a:font script="Geor" typeface="Sylfaen"/>
+        <a:font script="Armn" typeface="Arial"/>
+        <a:font script="Bugi" typeface="Leelawadee UI"/>
+        <a:font script="Bopo" typeface="Microsoft JhengHei"/>
+        <a:font script="Java" typeface="Javanese Text"/>
+        <a:font script="Lisu" typeface="Segoe UI"/>
+        <a:font script="Mymr" typeface="Myanmar Text"/>
+        <a:font script="Nkoo" typeface="Ebrima"/>
+        <a:font script="Olck" typeface="Nirmala UI"/>
+        <a:font script="Osma" typeface="Ebrima"/>
+        <a:font script="Phag" typeface="Phagspa"/>
+        <a:font script="Syrn" typeface="Estrangelo Edessa"/>
+        <a:font script="Syrj" typeface="Estrangelo Edessa"/>
+        <a:font script="Syre" typeface="Estrangelo Edessa"/>
+        <a:font script="Sora" typeface="Nirmala UI"/>
+        <a:font script="Tale" typeface="Microsoft Tai Le"/>
+        <a:font script="Talu" typeface="Microsoft New Tai Lue"/>
+        <a:font script="Tfng" typeface="Ebrima"/>
+      </a:majorFont>
+      <a:minorFont>
+        <a:latin typeface="游ゴシック" panose="020F0502020204030204"/>
+        <a:ea typeface=""/>
+        <a:cs typeface=""/>
+        <a:font script="Jpan" typeface="游ゴシック"/>
+        <a:font script="Hang" typeface="맑은 고딕"/>
+        <a:font script="Hans" typeface="等线"/>
+        <a:font script="Hant" typeface="新細明體"/>
+        <a:font script="Arab" typeface="Arial"/>
+        <a:font script="Hebr" typeface="Arial"/>
+        <a:font script="Thai" typeface="Cordia New"/>
+        <a:font script="Ethi" typeface="Nyala"/>
+        <a:font script="Beng" typeface="Vrinda"/>
+        <a:font script="Gujr" typeface="Shruti"/>
+        <a:font script="Khmr" typeface="DaunPenh"/>
+        <a:font script="Knda" typeface="Tunga"/>
+        <a:font script="Guru" typeface="Raavi"/>
+        <a:font script="Cans" typeface="Euphemia"/>
+        <a:font script="Cher" typeface="Plantagenet Cherokee"/>
+        <a:font script="Yiii" typeface="Microsoft Yi Baiti"/>
+        <a:font script="Tibt" typeface="Microsoft Himalaya"/>
+        <a:font script="Thaa" typeface="MV Boli"/>
+        <a:font script="Deva" typeface="Mangal"/>
+        <a:font script="Telu" typeface="Gautami"/>
+        <a:font script="Taml" typeface="Latha"/>
+        <a:font script="Syrc" typeface="Estrangelo Edessa"/>
+        <a:font script="Orya" typeface="Kalinga"/>
+        <a:font script="Mlym" typeface="Kartika"/>
+        <a:font script="Laoo" typeface="DokChampa"/>
+        <a:font script="Sinh" typeface="Iskoola Pota"/>
+        <a:font script="Mong" typeface="Mongolian Baiti"/>
+        <a:font script="Viet" typeface="Arial"/>
+        <a:font script="Uigh" typeface="Microsoft Uighur"/>
+        <a:font script="Geor" typeface="Sylfaen"/>
+        <a:font script="Armn" typeface="Arial"/>
+        <a:font script="Bugi" typeface="Leelawadee UI"/>
+        <a:font script="Bopo" typeface="Microsoft JhengHei"/>
+        <a:font script="Java" typeface="Javanese Text"/>
+        <a:font script="Lisu" typeface="Segoe UI"/>
+        <a:font script="Mymr" typeface="Myanmar Text"/>
+        <a:font script="Nkoo" typeface="Ebrima"/>
+        <a:font script="Olck" typeface="Nirmala UI"/>
+        <a:font script="Osma" typeface="Ebrima"/>
+        <a:font script="Phag" typeface="Phagspa"/>
+        <a:font script="Syrn" typeface="Estrangelo Edessa"/>
+        <a:font script="Syrj" typeface="Estrangelo Edessa"/>
+        <a:font script="Syre" typeface="Estrangelo Edessa"/>
+        <a:font script="Sora" typeface="Nirmala UI"/>
+        <a:font script="Tale" typeface="Microsoft Tai Le"/>
+        <a:font script="Talu" typeface="Microsoft New Tai Lue"/>
+        <a:font script="Tfng" typeface="Ebrima"/>
+      </a:minorFont>
+    </a:fontScheme>
+    <a:fmtScheme name="Office">
+      <a:fillStyleLst>
+        <a:solidFill>
+          <a:schemeClr val="phClr"/>
+        </a:solidFill>
+        <a:gradFill rotWithShape="1">
+          <a:gsLst>
+            <a:gs pos="0">
+              <a:schemeClr val="phClr">
+                <a:lumMod val="110000"/>
+                <a:satMod val="105000"/>
+                <a:tint val="67000"/>
+              </a:schemeClr>
+            </a:gs>
+            <a:gs pos="50000">
+              <a:schemeClr val="phClr">
+                <a:lumMod val="105000"/>
+                <a:satMod val="103000"/>
+                <a:tint val="73000"/>
+              </a:schemeClr>
+            </a:gs>
+            <a:gs pos="100000">
+              <a:schemeClr val="phClr">
+                <a:lumMod val="105000"/>
+                <a:satMod val="109000"/>
+                <a:tint val="81000"/>
+              </a:schemeClr>
+            </a:gs>
+          </a:gsLst>
+          <a:lin ang="5400000" scaled="0"/>
+        </a:gradFill>
+        <a:gradFill rotWithShape="1">
+          <a:gsLst>
+            <a:gs pos="0">
+              <a:schemeClr val="phClr">
+                <a:satMod val="103000"/>
+                <a:lumMod val="102000"/>
+                <a:tint val="94000"/>
+              </a:schemeClr>
+            </a:gs>
+            <a:gs pos="50000">
+              <a:schemeClr val="phClr">
+                <a:satMod val="110000"/>
+                <a:lumMod val="100000"/>
+                <a:shade val="100000"/>
+              </a:schemeClr>
+            </a:gs>
+            <a:gs pos="100000">
+              <a:schemeClr val="phClr">
+                <a:lumMod val="99000"/>
+                <a:satMod val="120000"/>
+                <a:shade val="78000"/>
+              </a:schemeClr>
+            </a:gs>
+          </a:gsLst>
+          <a:lin ang="5400000" scaled="0"/>
+        </a:gradFill>
+      </a:fillStyleLst>
+      <a:lnStyleLst>
+        <a:ln w="6350" cap="flat" cmpd="sng" algn="ctr">
+          <a:solidFill>
+            <a:schemeClr val="phClr"/>
+          </a:solidFill>
+          <a:prstDash val="solid"/>
+          <a:miter lim="800000"/>
+        </a:ln>
+        <a:ln w="12700" cap="flat" cmpd="sng" algn="ctr">
+          <a:solidFill>
+            <a:schemeClr val="phClr"/>
+          </a:solidFill>
+          <a:prstDash val="solid"/>
+          <a:miter lim="800000"/>
+        </a:ln>
+        <a:ln w="19050" cap="flat" cmpd="sng" algn="ctr">
+          <a:solidFill>
+            <a:schemeClr val="phClr"/>
+          </a:solidFill>
+          <a:prstDash val="solid"/>
+          <a:miter lim="800000"/>
+        </a:ln>
+      </a:lnStyleLst>
+      <a:effectStyleLst>
+        <a:effectStyle>
+          <a:effectLst/>
+        </a:effectStyle>
+        <a:effectStyle>
+          <a:effectLst/>
+        </a:effectStyle>
+        <a:effectStyle>
+          <a:effectLst>
+            <a:outerShdw blurRad="57150" dist="19050" dir="5400000" algn="ctr" rotWithShape="0">
+              <a:srgbClr val="000000">
+                <a:alpha val="63000"/>
+              </a:srgbClr>
+            </a:outerShdw>
+          </a:effectLst>
+        </a:effectStyle>
+      </a:effectStyleLst>
+      <a:bgFillStyleLst>
+        <a:solidFill>
+          <a:schemeClr val="phClr"/>
+        </a:solidFill>
+        <a:solidFill>
+          <a:schemeClr val="phClr">
+            <a:tint val="95000"/>
+            <a:satMod val="170000"/>
+          </a:schemeClr>
+        </a:solidFill>
+        <a:gradFill rotWithShape="1">
+          <a:gsLst>
+            <a:gs pos="0">
+              <a:schemeClr val="phClr">
+                <a:tint val="93000"/>
+                <a:satMod val="150000"/>
+                <a:shade val="98000"/>
+                <a:lumMod val="102000"/>
+              </a:schemeClr>
+            </a:gs>
+            <a:gs pos="50000">
+              <a:schemeClr val="phClr">
+                <a:tint val="98000"/>
+                <a:satMod val="130000"/>
+                <a:shade val="90000"/>
+                <a:lumMod val="103000"/>
+              </a:schemeClr>
+            </a:gs>
+            <a:gs pos="100000">
+              <a:schemeClr val="phClr">
+                <a:shade val="63000"/>
+                <a:satMod val="120000"/>
+              </a:schemeClr>
+            </a:gs>
+          </a:gsLst>
+          <a:lin ang="5400000" scaled="0"/>
+        </a:gradFill>
+      </a:bgFillStyleLst>
+    </a:fmtScheme>
+  </a:themeElements>
+  <a:objectDefaults/>
+  <a:extraClrSchemeLst/>
+  <a:extLst>
+    <a:ext uri="{05A4C25C-085E-4340-85A3-A5531E510DB2}">
+      <thm15:themeFamily xmlns:thm15="http://schemas.microsoft.com/office/thememl/2012/main" name="Office Theme" id="{62F939B6-93AF-4DB8-9C6B-D6C7DFDC589F}" vid="{4A3C46E8-61CC-4603-A589-7422A47A8E4A}"/>
+    </a:ext>
+  </a:extLst>
+</a:theme>
 </file>